--- a/doc/dis/EnablingStreamingIntegration_FIS2010/Enabling Semantic Integration (FIS2010).pptx
+++ b/doc/dis/EnablingStreamingIntegration_FIS2010/Enabling Semantic Integration (FIS2010).pptx
@@ -415,7 +415,7 @@
               <a:pPr>
                 <a:defRPr/>
               </a:pPr>
-              <a:t>‹Nº›</a:t>
+              <a:t>‹#›</a:t>
             </a:fld>
             <a:endParaRPr lang="es-ES"/>
           </a:p>
@@ -781,7 +781,7 @@
               <a:pPr>
                 <a:defRPr/>
               </a:pPr>
-              <a:t>‹Nº›</a:t>
+              <a:t>‹#›</a:t>
             </a:fld>
             <a:endParaRPr lang="es-ES"/>
           </a:p>
@@ -1002,7 +1002,7 @@
           <p:nvPr/>
         </p:nvPicPr>
         <p:blipFill>
-          <a:blip r:embed="rId2"/>
+          <a:blip r:embed="rId2" cstate="print"/>
           <a:srcRect/>
           <a:stretch>
             <a:fillRect/>
@@ -1034,7 +1034,7 @@
           <p:nvPr/>
         </p:nvPicPr>
         <p:blipFill>
-          <a:blip r:embed="rId3"/>
+          <a:blip r:embed="rId3" cstate="print"/>
           <a:srcRect/>
           <a:stretch>
             <a:fillRect/>
@@ -1066,7 +1066,7 @@
           <p:nvPr/>
         </p:nvPicPr>
         <p:blipFill>
-          <a:blip r:embed="rId4"/>
+          <a:blip r:embed="rId4" cstate="print"/>
           <a:srcRect/>
           <a:stretch>
             <a:fillRect/>
@@ -1098,7 +1098,7 @@
           <p:nvPr/>
         </p:nvPicPr>
         <p:blipFill>
-          <a:blip r:embed="rId5"/>
+          <a:blip r:embed="rId5" cstate="print"/>
           <a:srcRect/>
           <a:stretch>
             <a:fillRect/>
@@ -1436,7 +1436,7 @@
               <a:pPr>
                 <a:defRPr/>
               </a:pPr>
-              <a:t>‹Nº›</a:t>
+              <a:t>‹#›</a:t>
             </a:fld>
             <a:endParaRPr lang="es-ES"/>
           </a:p>
@@ -1612,7 +1612,7 @@
               <a:pPr>
                 <a:defRPr/>
               </a:pPr>
-              <a:t>‹Nº›</a:t>
+              <a:t>‹#›</a:t>
             </a:fld>
             <a:endParaRPr lang="es-ES"/>
           </a:p>
@@ -1760,7 +1760,7 @@
               <a:pPr>
                 <a:defRPr/>
               </a:pPr>
-              <a:t>‹Nº›</a:t>
+              <a:t>‹#›</a:t>
             </a:fld>
             <a:endParaRPr lang="es-ES"/>
           </a:p>
@@ -1908,7 +1908,7 @@
               <a:pPr>
                 <a:defRPr/>
               </a:pPr>
-              <a:t>‹Nº›</a:t>
+              <a:t>‹#›</a:t>
             </a:fld>
             <a:endParaRPr lang="es-ES"/>
           </a:p>
@@ -2141,7 +2141,7 @@
               <a:pPr>
                 <a:defRPr/>
               </a:pPr>
-              <a:t>‹Nº›</a:t>
+              <a:t>‹#›</a:t>
             </a:fld>
             <a:endParaRPr lang="es-ES"/>
           </a:p>
@@ -2374,7 +2374,7 @@
               <a:pPr>
                 <a:defRPr/>
               </a:pPr>
-              <a:t>‹Nº›</a:t>
+              <a:t>‹#›</a:t>
             </a:fld>
             <a:endParaRPr lang="es-ES"/>
           </a:p>
@@ -2540,7 +2540,7 @@
               <a:pPr>
                 <a:defRPr/>
               </a:pPr>
-              <a:t>‹Nº›</a:t>
+              <a:t>‹#›</a:t>
             </a:fld>
             <a:endParaRPr lang="es-ES"/>
           </a:p>
@@ -2761,7 +2761,7 @@
               <a:pPr>
                 <a:defRPr/>
               </a:pPr>
-              <a:t>‹Nº›</a:t>
+              <a:t>‹#›</a:t>
             </a:fld>
             <a:endParaRPr lang="es-ES"/>
           </a:p>
@@ -3045,7 +3045,7 @@
               <a:pPr>
                 <a:defRPr/>
               </a:pPr>
-              <a:t>‹Nº›</a:t>
+              <a:t>‹#›</a:t>
             </a:fld>
             <a:endParaRPr lang="es-ES"/>
           </a:p>
@@ -3468,7 +3468,7 @@
               <a:pPr>
                 <a:defRPr/>
               </a:pPr>
-              <a:t>‹Nº›</a:t>
+              <a:t>‹#›</a:t>
             </a:fld>
             <a:endParaRPr lang="es-ES"/>
           </a:p>
@@ -3582,7 +3582,7 @@
               <a:pPr>
                 <a:defRPr/>
               </a:pPr>
-              <a:t>‹Nº›</a:t>
+              <a:t>‹#›</a:t>
             </a:fld>
             <a:endParaRPr lang="es-ES"/>
           </a:p>
@@ -3673,7 +3673,7 @@
               <a:pPr>
                 <a:defRPr/>
               </a:pPr>
-              <a:t>‹Nº›</a:t>
+              <a:t>‹#›</a:t>
             </a:fld>
             <a:endParaRPr lang="es-ES"/>
           </a:p>
@@ -3985,7 +3985,7 @@
               <a:pPr>
                 <a:defRPr/>
               </a:pPr>
-              <a:t>‹Nº›</a:t>
+              <a:t>‹#›</a:t>
             </a:fld>
             <a:endParaRPr lang="es-ES"/>
           </a:p>
@@ -4239,7 +4239,7 @@
               <a:pPr>
                 <a:defRPr/>
               </a:pPr>
-              <a:t>‹Nº›</a:t>
+              <a:t>‹#›</a:t>
             </a:fld>
             <a:endParaRPr lang="es-ES"/>
           </a:p>
@@ -4462,7 +4462,7 @@
           <p:nvPr/>
         </p:nvPicPr>
         <p:blipFill>
-          <a:blip r:embed="rId17"/>
+          <a:blip r:embed="rId17" cstate="print"/>
           <a:srcRect/>
           <a:stretch>
             <a:fillRect/>
@@ -4494,7 +4494,7 @@
           <p:nvPr/>
         </p:nvPicPr>
         <p:blipFill>
-          <a:blip r:embed="rId18"/>
+          <a:blip r:embed="rId18" cstate="print"/>
           <a:srcRect/>
           <a:stretch>
             <a:fillRect/>
@@ -4575,7 +4575,7 @@
               <a:pPr>
                 <a:defRPr/>
               </a:pPr>
-              <a:t>‹Nº›</a:t>
+              <a:t>‹#›</a:t>
             </a:fld>
             <a:endParaRPr lang="es-ES"/>
           </a:p>
@@ -4590,7 +4590,7 @@
           <p:nvPr/>
         </p:nvPicPr>
         <p:blipFill>
-          <a:blip r:embed="rId19"/>
+          <a:blip r:embed="rId19" cstate="print"/>
           <a:srcRect/>
           <a:stretch>
             <a:fillRect/>
@@ -5481,7 +5481,7 @@
           <p:nvPr/>
         </p:nvPicPr>
         <p:blipFill>
-          <a:blip r:embed="rId3"/>
+          <a:blip r:embed="rId3" cstate="print"/>
           <a:srcRect/>
           <a:stretch>
             <a:fillRect/>
@@ -5769,20 +5769,6 @@
               </a:rPr>
               <a:t>Future Works</a:t>
             </a:r>
-            <a:endParaRPr kumimoji="0" lang="en-US" sz="2400" b="1" i="0" u="none" strike="noStrike" kern="0" cap="none" spc="0" normalizeH="0" baseline="0" dirty="0" smtClean="0">
-              <a:ln>
-                <a:noFill/>
-              </a:ln>
-              <a:solidFill>
-                <a:schemeClr val="bg1"/>
-              </a:solidFill>
-              <a:effectLst/>
-              <a:uLnTx/>
-              <a:uFillTx/>
-              <a:latin typeface="+mj-lt"/>
-              <a:ea typeface="+mj-ea"/>
-              <a:cs typeface="+mj-cs"/>
-            </a:endParaRPr>
           </a:p>
         </p:txBody>
       </p:sp>
@@ -19874,7 +19860,7 @@
           <p:nvPr/>
         </p:nvPicPr>
         <p:blipFill>
-          <a:blip r:embed="rId2"/>
+          <a:blip r:embed="rId2" cstate="print"/>
           <a:srcRect/>
           <a:stretch>
             <a:fillRect/>
@@ -19952,7 +19938,7 @@
           <p:nvPr/>
         </p:nvPicPr>
         <p:blipFill>
-          <a:blip r:embed="rId3"/>
+          <a:blip r:embed="rId3" cstate="print"/>
           <a:srcRect/>
           <a:stretch>
             <a:fillRect/>
@@ -20022,7 +20008,7 @@
           <p:nvPr/>
         </p:nvPicPr>
         <p:blipFill>
-          <a:blip r:embed="rId4"/>
+          <a:blip r:embed="rId4" cstate="print"/>
           <a:srcRect/>
           <a:stretch>
             <a:fillRect/>
@@ -20223,7 +20209,7 @@
           <p:nvPr/>
         </p:nvPicPr>
         <p:blipFill>
-          <a:blip r:embed="rId5"/>
+          <a:blip r:embed="rId5" cstate="print"/>
           <a:srcRect/>
           <a:stretch>
             <a:fillRect/>
@@ -20255,7 +20241,7 @@
           <p:nvPr/>
         </p:nvPicPr>
         <p:blipFill>
-          <a:blip r:embed="rId6"/>
+          <a:blip r:embed="rId6" cstate="print"/>
           <a:srcRect/>
           <a:stretch>
             <a:fillRect/>
@@ -25673,7 +25659,7 @@
           <p:nvPr/>
         </p:nvPicPr>
         <p:blipFill>
-          <a:blip r:embed="rId2"/>
+          <a:blip r:embed="rId2" cstate="print"/>
           <a:srcRect/>
           <a:stretch>
             <a:fillRect/>
@@ -28532,7 +28518,7 @@
           <p:nvPr/>
         </p:nvPicPr>
         <p:blipFill>
-          <a:blip r:embed="rId2"/>
+          <a:blip r:embed="rId2" cstate="print"/>
           <a:srcRect/>
           <a:stretch>
             <a:fillRect/>
@@ -31978,20 +31964,6 @@
               </a:rPr>
               <a:t>Incremental solution proposals</a:t>
             </a:r>
-            <a:endParaRPr kumimoji="0" lang="en-US" sz="2400" b="0" i="0" u="none" strike="noStrike" kern="0" cap="none" spc="0" normalizeH="0" baseline="0" noProof="0" dirty="0" smtClean="0">
-              <a:ln>
-                <a:noFill/>
-              </a:ln>
-              <a:solidFill>
-                <a:srgbClr val="4D4D4D"/>
-              </a:solidFill>
-              <a:effectLst/>
-              <a:uLnTx/>
-              <a:uFillTx/>
-              <a:latin typeface="+mn-lt"/>
-              <a:ea typeface="+mn-ea"/>
-              <a:cs typeface="+mn-cs"/>
-            </a:endParaRPr>
           </a:p>
           <a:p>
             <a:pPr marL="800100" lvl="1" indent="-342900" eaLnBrk="0" hangingPunct="0">
@@ -32009,23 +31981,8 @@
                 </a:solidFill>
                 <a:latin typeface="+mn-lt"/>
               </a:rPr>
-              <a:t>Ontology-based data </a:t>
-            </a:r>
-            <a:r>
-              <a:rPr lang="en-US" sz="2400" kern="0" dirty="0" smtClean="0">
-                <a:solidFill>
-                  <a:srgbClr val="4D4D4D"/>
-                </a:solidFill>
-                <a:latin typeface="+mn-lt"/>
-              </a:rPr>
-              <a:t>access to streams</a:t>
-            </a:r>
-            <a:endParaRPr lang="en-US" sz="2400" kern="0" dirty="0" smtClean="0">
-              <a:solidFill>
-                <a:srgbClr val="4D4D4D"/>
-              </a:solidFill>
-              <a:latin typeface="+mn-lt"/>
-            </a:endParaRPr>
+              <a:t>Ontology-based data access to streams</a:t>
+            </a:r>
           </a:p>
           <a:p>
             <a:pPr marL="800100" lvl="1" indent="-342900" eaLnBrk="0" hangingPunct="0">
@@ -32933,15 +32890,7 @@
             <a:pPr algn="ctr"/>
             <a:r>
               <a:rPr lang="en-US" sz="1100" dirty="0" smtClean="0"/>
-              <a:t>Ontology</a:t>
-            </a:r>
-            <a:r>
-              <a:rPr lang="en-US" sz="1100" dirty="0" smtClean="0"/>
-              <a:t>-to-</a:t>
-            </a:r>
-            <a:r>
-              <a:rPr lang="en-US" sz="1100" dirty="0" smtClean="0"/>
-              <a:t>Ontology</a:t>
+              <a:t>Ontology-to-Ontology</a:t>
             </a:r>
             <a:r>
               <a:rPr lang="es-ES" sz="1100" dirty="0" smtClean="0"/>
@@ -34666,15 +34615,7 @@
             </a:r>
             <a:r>
               <a:rPr lang="es-ES" sz="1100" dirty="0" smtClean="0"/>
-              <a:t> DB </a:t>
-            </a:r>
-            <a:r>
-              <a:rPr lang="es-ES" sz="1100" dirty="0" smtClean="0"/>
-              <a:t>(</a:t>
-            </a:r>
-            <a:r>
-              <a:rPr lang="es-ES" sz="1100" dirty="0" smtClean="0"/>
-              <a:t>S</a:t>
+              <a:t> DB (S</a:t>
             </a:r>
             <a:r>
               <a:rPr lang="es-ES" sz="1100" baseline="-25000" dirty="0" smtClean="0"/>
@@ -34712,11 +34653,7 @@
           <a:p>
             <a:r>
               <a:rPr lang="es-ES" sz="1100" dirty="0" smtClean="0"/>
-              <a:t>Sensor </a:t>
-            </a:r>
-            <a:r>
-              <a:rPr lang="es-ES" sz="1100" dirty="0" smtClean="0"/>
-              <a:t>Network (S</a:t>
+              <a:t>Sensor Network (S</a:t>
             </a:r>
             <a:r>
               <a:rPr lang="es-ES" sz="1100" baseline="-25000" dirty="0" smtClean="0"/>
@@ -34762,11 +34699,7 @@
             </a:r>
             <a:r>
               <a:rPr lang="es-ES" sz="1100" dirty="0" smtClean="0"/>
-              <a:t> </a:t>
-            </a:r>
-            <a:r>
-              <a:rPr lang="es-ES" sz="1100" dirty="0" smtClean="0"/>
-              <a:t>(S</a:t>
+              <a:t> (S</a:t>
             </a:r>
             <a:r>
               <a:rPr lang="es-ES" sz="1100" baseline="-25000" dirty="0" smtClean="0"/>
@@ -34808,11 +34741,7 @@
             </a:r>
             <a:r>
               <a:rPr lang="es-ES" sz="1100" baseline="-25000" dirty="0" smtClean="0"/>
-              <a:t>STR </a:t>
-            </a:r>
-            <a:r>
-              <a:rPr lang="es-ES" sz="1100" baseline="-25000" dirty="0" smtClean="0"/>
-              <a:t> </a:t>
+              <a:t>STR  </a:t>
             </a:r>
             <a:r>
               <a:rPr lang="es-ES" sz="1100" dirty="0" smtClean="0"/>
@@ -34824,11 +34753,7 @@
             </a:r>
             <a:r>
               <a:rPr lang="es-ES" sz="1100" dirty="0" smtClean="0"/>
-              <a:t> </a:t>
-            </a:r>
-            <a:r>
-              <a:rPr lang="es-ES" sz="1100" dirty="0" smtClean="0"/>
-              <a:t>S</a:t>
+              <a:t> S</a:t>
             </a:r>
             <a:r>
               <a:rPr lang="es-ES" sz="1100" baseline="-25000" dirty="0" smtClean="0"/>
@@ -34836,11 +34761,7 @@
             </a:r>
             <a:r>
               <a:rPr lang="es-ES" sz="1100" dirty="0" smtClean="0"/>
-              <a:t> </a:t>
-            </a:r>
-            <a:r>
-              <a:rPr lang="es-ES" sz="1100" dirty="0" smtClean="0"/>
-              <a:t>S</a:t>
+              <a:t> S</a:t>
             </a:r>
             <a:r>
               <a:rPr lang="es-ES" sz="1100" baseline="-25000" dirty="0" smtClean="0"/>
@@ -34966,11 +34887,7 @@
             </a:r>
             <a:r>
               <a:rPr lang="fr-CH" dirty="0" smtClean="0"/>
-              <a:t> </a:t>
-            </a:r>
-            <a:r>
-              <a:rPr lang="fr-CH" dirty="0" smtClean="0"/>
-              <a:t>extensions for R2O</a:t>
+              <a:t> extensions for R2O</a:t>
             </a:r>
           </a:p>
           <a:p>
@@ -35037,19 +34954,11 @@
             </a:r>
             <a:r>
               <a:rPr lang="fr-CH" dirty="0" err="1" smtClean="0"/>
-              <a:t>e</a:t>
-            </a:r>
-            <a:r>
-              <a:rPr lang="fr-CH" dirty="0" err="1" smtClean="0"/>
-              <a:t>ngine</a:t>
+              <a:t>engine</a:t>
             </a:r>
             <a:r>
               <a:rPr lang="fr-CH" dirty="0" smtClean="0"/>
-              <a:t> </a:t>
-            </a:r>
-            <a:r>
-              <a:rPr lang="fr-CH" dirty="0" smtClean="0"/>
-              <a:t>support for « S2O » documents, SPARQL</a:t>
+              <a:t> support for « S2O » documents, SPARQL</a:t>
             </a:r>
             <a:r>
               <a:rPr lang="fr-CH" baseline="-25000" dirty="0" smtClean="0"/>
@@ -35083,19 +34992,11 @@
             </a:r>
             <a:r>
               <a:rPr lang="fr-CH" dirty="0" err="1" smtClean="0"/>
-              <a:t>e</a:t>
-            </a:r>
-            <a:r>
-              <a:rPr lang="fr-CH" dirty="0" err="1" smtClean="0"/>
-              <a:t>ngine</a:t>
+              <a:t>engine</a:t>
             </a:r>
             <a:r>
               <a:rPr lang="fr-CH" dirty="0" smtClean="0"/>
-              <a:t> </a:t>
-            </a:r>
-            <a:r>
-              <a:rPr lang="fr-CH" dirty="0" smtClean="0"/>
-              <a:t>support for </a:t>
+              <a:t> support for </a:t>
             </a:r>
             <a:r>
               <a:rPr lang="fr-CH" dirty="0" err="1" smtClean="0"/>
@@ -35266,646 +35167,21 @@
       </p:grpSpPr>
       <p:sp>
         <p:nvSpPr>
-          <p:cNvPr id="2" name="1 Título"/>
-          <p:cNvSpPr>
-            <a:spLocks noGrp="1"/>
-          </p:cNvSpPr>
-          <p:nvPr>
-            <p:ph type="title"/>
-          </p:nvPr>
-        </p:nvSpPr>
-        <p:spPr/>
-        <p:txBody>
-          <a:bodyPr/>
-          <a:lstStyle/>
-          <a:p>
-            <a:r>
-              <a:rPr lang="en-GB" dirty="0" smtClean="0"/>
-              <a:t>So Far...</a:t>
-            </a:r>
-            <a:endParaRPr lang="en-GB" dirty="0"/>
-          </a:p>
-        </p:txBody>
-      </p:sp>
-      <p:sp>
-        <p:nvSpPr>
-          <p:cNvPr id="4" name="3 Marcador de número de diapositiva"/>
-          <p:cNvSpPr>
-            <a:spLocks noGrp="1"/>
-          </p:cNvSpPr>
-          <p:nvPr>
-            <p:ph type="sldNum" sz="quarter" idx="10"/>
-          </p:nvPr>
-        </p:nvSpPr>
-        <p:spPr/>
-        <p:txBody>
-          <a:bodyPr/>
-          <a:lstStyle/>
-          <a:p>
-            <a:pPr>
-              <a:defRPr/>
-            </a:pPr>
-            <a:fld id="{54B72F7C-718B-4771-923D-883B9E3B344D}" type="slidenum">
-              <a:rPr lang="es-ES" smtClean="0"/>
-              <a:pPr>
-                <a:defRPr/>
-              </a:pPr>
-              <a:t>9</a:t>
-            </a:fld>
-            <a:endParaRPr lang="es-ES"/>
-          </a:p>
-        </p:txBody>
-      </p:sp>
-      <p:sp>
-        <p:nvSpPr>
-          <p:cNvPr id="5" name="4 Marcador de pie de página"/>
-          <p:cNvSpPr>
-            <a:spLocks noGrp="1"/>
-          </p:cNvSpPr>
-          <p:nvPr>
-            <p:ph type="ftr" sz="quarter" idx="11"/>
-          </p:nvPr>
-        </p:nvSpPr>
-        <p:spPr/>
-        <p:txBody>
-          <a:bodyPr/>
-          <a:lstStyle/>
-          <a:p>
-            <a:pPr>
-              <a:defRPr/>
-            </a:pPr>
-            <a:r>
-              <a:rPr lang="es-ES" smtClean="0"/>
-              <a:t>Enabling Semantic Integration of Streaming Data Sources</a:t>
-            </a:r>
-            <a:endParaRPr lang="es-ES" dirty="0"/>
-          </a:p>
-        </p:txBody>
-      </p:sp>
-      <p:sp>
-        <p:nvSpPr>
-          <p:cNvPr id="6" name="5 CuadroTexto"/>
-          <p:cNvSpPr txBox="1"/>
-          <p:nvPr/>
-        </p:nvSpPr>
-        <p:spPr>
-          <a:xfrm>
-            <a:off x="0" y="3286124"/>
-            <a:ext cx="4643470" cy="3354765"/>
-          </a:xfrm>
-          <a:prstGeom prst="rect">
-            <a:avLst/>
-          </a:prstGeom>
-          <a:noFill/>
-        </p:spPr>
-        <p:txBody>
-          <a:bodyPr wrap="square" rtlCol="0">
-            <a:spAutoFit/>
-          </a:bodyPr>
-          <a:lstStyle/>
-          <a:p>
-            <a:r>
-              <a:rPr lang="en-GB" sz="1000" dirty="0" smtClean="0"/>
-              <a:t>PREFIX </a:t>
-            </a:r>
-            <a:r>
-              <a:rPr lang="en-GB" sz="1000" u="sng" dirty="0" err="1" smtClean="0"/>
-              <a:t>cd</a:t>
-            </a:r>
-            <a:r>
-              <a:rPr lang="en-GB" sz="1000" u="sng" dirty="0" smtClean="0"/>
-              <a:t>: &lt;http://www.semsorgrid4env.eu/ontologies/CoastalDefences.owl#&gt;</a:t>
-            </a:r>
-          </a:p>
-          <a:p>
-            <a:r>
-              <a:rPr lang="en-GB" sz="1000" dirty="0" smtClean="0"/>
-              <a:t>PREFIX </a:t>
-            </a:r>
-            <a:r>
-              <a:rPr lang="en-GB" sz="1000" u="sng" dirty="0" err="1" smtClean="0"/>
-              <a:t>sb</a:t>
-            </a:r>
-            <a:r>
-              <a:rPr lang="en-GB" sz="1000" u="sng" dirty="0" smtClean="0"/>
-              <a:t>: &lt;http://www.w3.org/2009/SSN-XG/Ontologies/SensorBasis.owl#&gt; </a:t>
-            </a:r>
-          </a:p>
-          <a:p>
-            <a:r>
-              <a:rPr lang="en-GB" sz="1000" dirty="0" smtClean="0"/>
-              <a:t>PREFIX </a:t>
-            </a:r>
-            <a:r>
-              <a:rPr lang="en-GB" sz="1000" u="sng" dirty="0" err="1" smtClean="0"/>
-              <a:t>rdf</a:t>
-            </a:r>
-            <a:r>
-              <a:rPr lang="en-GB" sz="1000" u="sng" dirty="0" smtClean="0"/>
-              <a:t>: &lt;http://www.w3.org/1999/02/22-rdf-syntax-ns#&gt; </a:t>
-            </a:r>
-          </a:p>
-          <a:p>
-            <a:r>
-              <a:rPr lang="en-US" sz="1000" dirty="0" smtClean="0"/>
-              <a:t>SELECT  ?</a:t>
-            </a:r>
-            <a:r>
-              <a:rPr lang="en-US" sz="1000" u="sng" dirty="0" err="1" smtClean="0"/>
-              <a:t>waveheight</a:t>
-            </a:r>
-            <a:r>
-              <a:rPr lang="en-US" sz="1000" u="sng" dirty="0" smtClean="0"/>
-              <a:t> ?</a:t>
-            </a:r>
-            <a:r>
-              <a:rPr lang="en-US" sz="1000" u="sng" dirty="0" err="1" smtClean="0"/>
-              <a:t>wavets</a:t>
-            </a:r>
-            <a:r>
-              <a:rPr lang="en-US" sz="1000" u="sng" dirty="0" smtClean="0"/>
-              <a:t>  ?lat ?</a:t>
-            </a:r>
-            <a:r>
-              <a:rPr lang="en-US" sz="1000" u="sng" dirty="0" err="1" smtClean="0"/>
-              <a:t>lon</a:t>
-            </a:r>
-            <a:r>
-              <a:rPr lang="en-US" sz="1000" u="sng" dirty="0" smtClean="0"/>
-              <a:t> </a:t>
-            </a:r>
-          </a:p>
-          <a:p>
-            <a:r>
-              <a:rPr lang="en-GB" sz="1000" dirty="0" smtClean="0"/>
-              <a:t>FROM STREAM &lt;http://www.semsorgrid4env/ccometeo.srdf&gt;   </a:t>
-            </a:r>
-          </a:p>
-          <a:p>
-            <a:r>
-              <a:rPr lang="en-GB" sz="1000" dirty="0" smtClean="0"/>
-              <a:t>WHERE </a:t>
-            </a:r>
-          </a:p>
-          <a:p>
-            <a:r>
-              <a:rPr lang="en-GB" sz="1000" dirty="0" smtClean="0"/>
-              <a:t>{ </a:t>
-            </a:r>
-          </a:p>
-          <a:p>
-            <a:r>
-              <a:rPr lang="en-GB" sz="1000" dirty="0" smtClean="0"/>
-              <a:t> ?</a:t>
-            </a:r>
-            <a:r>
-              <a:rPr lang="en-GB" sz="1000" dirty="0" err="1" smtClean="0"/>
-              <a:t>WaveObs</a:t>
-            </a:r>
-            <a:r>
-              <a:rPr lang="en-GB" sz="1000" dirty="0" smtClean="0"/>
-              <a:t> a </a:t>
-            </a:r>
-            <a:r>
-              <a:rPr lang="en-GB" sz="1000" dirty="0" err="1" smtClean="0"/>
-              <a:t>cd:Observation</a:t>
-            </a:r>
-            <a:r>
-              <a:rPr lang="en-GB" sz="1000" dirty="0" smtClean="0"/>
-              <a:t>; </a:t>
-            </a:r>
-          </a:p>
-          <a:p>
-            <a:r>
-              <a:rPr lang="en-GB" sz="1000" dirty="0" smtClean="0"/>
-              <a:t>    </a:t>
-            </a:r>
-            <a:r>
-              <a:rPr lang="en-GB" sz="1000" dirty="0" err="1" smtClean="0"/>
-              <a:t>cd:observationResult</a:t>
-            </a:r>
-            <a:r>
-              <a:rPr lang="en-GB" sz="1000" dirty="0" smtClean="0"/>
-              <a:t> ?</a:t>
-            </a:r>
-            <a:r>
-              <a:rPr lang="en-GB" sz="1000" u="sng" dirty="0" err="1" smtClean="0"/>
-              <a:t>waveheight</a:t>
-            </a:r>
-            <a:r>
-              <a:rPr lang="en-GB" sz="1000" u="sng" dirty="0" smtClean="0"/>
-              <a:t>; </a:t>
-            </a:r>
-          </a:p>
-          <a:p>
-            <a:r>
-              <a:rPr lang="en-GB" sz="1000" dirty="0" smtClean="0"/>
-              <a:t>    </a:t>
-            </a:r>
-            <a:r>
-              <a:rPr lang="en-GB" sz="1000" dirty="0" err="1" smtClean="0"/>
-              <a:t>cd:observationResultTime</a:t>
-            </a:r>
-            <a:r>
-              <a:rPr lang="en-GB" sz="1000" dirty="0" smtClean="0"/>
-              <a:t> ?</a:t>
-            </a:r>
-            <a:r>
-              <a:rPr lang="en-GB" sz="1000" u="sng" dirty="0" err="1" smtClean="0"/>
-              <a:t>wavets</a:t>
-            </a:r>
-            <a:r>
-              <a:rPr lang="en-GB" sz="1000" u="sng" dirty="0" smtClean="0"/>
-              <a:t>;</a:t>
-            </a:r>
-          </a:p>
-          <a:p>
-            <a:r>
-              <a:rPr lang="en-GB" sz="1000" dirty="0" smtClean="0"/>
-              <a:t>    </a:t>
-            </a:r>
-            <a:r>
-              <a:rPr lang="en-GB" sz="1000" dirty="0" err="1" smtClean="0"/>
-              <a:t>cd:observationResultLatitude</a:t>
-            </a:r>
-            <a:r>
-              <a:rPr lang="en-GB" sz="1000" dirty="0" smtClean="0"/>
-              <a:t> ?</a:t>
-            </a:r>
-            <a:r>
-              <a:rPr lang="en-GB" sz="1000" u="sng" dirty="0" smtClean="0"/>
-              <a:t>lat;</a:t>
-            </a:r>
-          </a:p>
-          <a:p>
-            <a:r>
-              <a:rPr lang="en-GB" sz="1000" dirty="0" smtClean="0"/>
-              <a:t>    </a:t>
-            </a:r>
-            <a:r>
-              <a:rPr lang="en-GB" sz="1000" dirty="0" err="1" smtClean="0"/>
-              <a:t>cd:observationResultLongitude</a:t>
-            </a:r>
-            <a:r>
-              <a:rPr lang="en-GB" sz="1000" dirty="0" smtClean="0"/>
-              <a:t> ?</a:t>
-            </a:r>
-            <a:r>
-              <a:rPr lang="en-GB" sz="1000" u="sng" dirty="0" err="1" smtClean="0"/>
-              <a:t>lon</a:t>
-            </a:r>
-            <a:r>
-              <a:rPr lang="en-GB" sz="1000" u="sng" dirty="0" smtClean="0"/>
-              <a:t>;</a:t>
-            </a:r>
-          </a:p>
-          <a:p>
-            <a:r>
-              <a:rPr lang="en-GB" sz="1000" dirty="0" smtClean="0"/>
-              <a:t>    </a:t>
-            </a:r>
-            <a:r>
-              <a:rPr lang="en-GB" sz="1000" dirty="0" err="1" smtClean="0"/>
-              <a:t>cd:observedProperty</a:t>
-            </a:r>
-            <a:r>
-              <a:rPr lang="en-GB" sz="1000" dirty="0" smtClean="0"/>
-              <a:t> ?</a:t>
-            </a:r>
-            <a:r>
-              <a:rPr lang="en-GB" sz="1000" dirty="0" err="1" smtClean="0"/>
-              <a:t>waveProperty</a:t>
-            </a:r>
-            <a:r>
-              <a:rPr lang="en-GB" sz="1000" dirty="0" smtClean="0"/>
-              <a:t>;</a:t>
-            </a:r>
-          </a:p>
-          <a:p>
-            <a:r>
-              <a:rPr lang="en-GB" sz="1000" dirty="0" smtClean="0"/>
-              <a:t>    </a:t>
-            </a:r>
-            <a:r>
-              <a:rPr lang="en-GB" sz="1000" dirty="0" err="1" smtClean="0"/>
-              <a:t>cd:featureOfInterest</a:t>
-            </a:r>
-            <a:r>
-              <a:rPr lang="en-GB" sz="1000" dirty="0" smtClean="0"/>
-              <a:t> ?</a:t>
-            </a:r>
-            <a:r>
-              <a:rPr lang="en-GB" sz="1000" dirty="0" err="1" smtClean="0"/>
-              <a:t>waveFeature</a:t>
-            </a:r>
-            <a:r>
-              <a:rPr lang="en-GB" sz="1000" dirty="0" smtClean="0"/>
-              <a:t>.   </a:t>
-            </a:r>
-          </a:p>
-          <a:p>
-            <a:r>
-              <a:rPr lang="en-GB" sz="1000" dirty="0" smtClean="0"/>
-              <a:t> ?</a:t>
-            </a:r>
-            <a:r>
-              <a:rPr lang="en-GB" sz="1000" dirty="0" err="1" smtClean="0"/>
-              <a:t>waveFeature</a:t>
-            </a:r>
-            <a:r>
-              <a:rPr lang="en-GB" sz="1000" dirty="0" smtClean="0"/>
-              <a:t> a </a:t>
-            </a:r>
-            <a:r>
-              <a:rPr lang="en-GB" sz="1000" dirty="0" err="1" smtClean="0"/>
-              <a:t>cd:Feature</a:t>
-            </a:r>
-            <a:r>
-              <a:rPr lang="en-GB" sz="1000" dirty="0" smtClean="0"/>
-              <a:t>;</a:t>
-            </a:r>
-          </a:p>
-          <a:p>
-            <a:r>
-              <a:rPr lang="en-GB" sz="1000" dirty="0" smtClean="0"/>
-              <a:t>    </a:t>
-            </a:r>
-            <a:r>
-              <a:rPr lang="en-GB" sz="1000" dirty="0" err="1" smtClean="0"/>
-              <a:t>cd:locatedInRegion</a:t>
-            </a:r>
-            <a:r>
-              <a:rPr lang="en-GB" sz="1000" dirty="0" smtClean="0"/>
-              <a:t> </a:t>
-            </a:r>
-            <a:r>
-              <a:rPr lang="en-GB" sz="1000" dirty="0" err="1" smtClean="0"/>
-              <a:t>cd:SouthEastEnglandCCO</a:t>
-            </a:r>
-            <a:r>
-              <a:rPr lang="en-GB" sz="1000" dirty="0" smtClean="0"/>
-              <a:t>.</a:t>
-            </a:r>
-          </a:p>
-          <a:p>
-            <a:r>
-              <a:rPr lang="en-GB" sz="1000" dirty="0" smtClean="0"/>
-              <a:t> ?</a:t>
-            </a:r>
-            <a:r>
-              <a:rPr lang="en-GB" sz="1000" dirty="0" err="1" smtClean="0"/>
-              <a:t>waveProperty</a:t>
-            </a:r>
-            <a:r>
-              <a:rPr lang="en-GB" sz="1000" dirty="0" smtClean="0"/>
-              <a:t> a </a:t>
-            </a:r>
-            <a:r>
-              <a:rPr lang="en-GB" sz="1000" dirty="0" err="1" smtClean="0"/>
-              <a:t>cd:WaveHeight</a:t>
-            </a:r>
-            <a:r>
-              <a:rPr lang="en-GB" sz="1000" dirty="0" smtClean="0"/>
-              <a:t>. </a:t>
-            </a:r>
-          </a:p>
-          <a:p>
-            <a:r>
-              <a:rPr lang="en-GB" sz="1000" dirty="0" smtClean="0"/>
-              <a:t> }</a:t>
-            </a:r>
-          </a:p>
-          <a:p>
-            <a:endParaRPr lang="en-GB" dirty="0" smtClean="0"/>
-          </a:p>
-          <a:p>
-            <a:endParaRPr lang="en-GB" dirty="0"/>
-          </a:p>
-        </p:txBody>
-      </p:sp>
-      <p:sp>
-        <p:nvSpPr>
-          <p:cNvPr id="7" name="6 CuadroTexto"/>
-          <p:cNvSpPr txBox="1"/>
-          <p:nvPr/>
-        </p:nvSpPr>
-        <p:spPr>
-          <a:xfrm>
-            <a:off x="4985489" y="4071942"/>
-            <a:ext cx="4158511" cy="1169551"/>
-          </a:xfrm>
-          <a:prstGeom prst="rect">
-            <a:avLst/>
-          </a:prstGeom>
-          <a:noFill/>
-        </p:spPr>
-        <p:txBody>
-          <a:bodyPr wrap="none" rtlCol="0">
-            <a:spAutoFit/>
-          </a:bodyPr>
-          <a:lstStyle/>
-          <a:p>
-            <a:r>
-              <a:rPr lang="en-GB" sz="1000" dirty="0" smtClean="0"/>
-              <a:t>(SELECT </a:t>
-            </a:r>
-            <a:r>
-              <a:rPr lang="en-GB" sz="1000" dirty="0" err="1" smtClean="0"/>
-              <a:t>Lon,timestamp,Hs,Lat</a:t>
-            </a:r>
-            <a:r>
-              <a:rPr lang="en-GB" sz="1000" dirty="0" smtClean="0"/>
-              <a:t> FROM </a:t>
-            </a:r>
-            <a:r>
-              <a:rPr lang="en-GB" sz="1000" dirty="0" err="1" smtClean="0"/>
-              <a:t>envdata_rhylflats</a:t>
-            </a:r>
-            <a:r>
-              <a:rPr lang="en-GB" sz="1000" dirty="0" smtClean="0"/>
-              <a:t>) UNION </a:t>
-            </a:r>
-            <a:endParaRPr lang="en-GB" sz="1000" dirty="0" smtClean="0"/>
-          </a:p>
-          <a:p>
-            <a:r>
-              <a:rPr lang="en-GB" sz="1000" dirty="0" smtClean="0"/>
-              <a:t>(</a:t>
-            </a:r>
-            <a:r>
-              <a:rPr lang="en-GB" sz="1000" dirty="0" smtClean="0"/>
-              <a:t>SELECT </a:t>
-            </a:r>
-            <a:r>
-              <a:rPr lang="en-GB" sz="1000" dirty="0" err="1" smtClean="0"/>
-              <a:t>Lon,timestamp,Hs,Lat</a:t>
-            </a:r>
-            <a:r>
-              <a:rPr lang="en-GB" sz="1000" dirty="0" smtClean="0"/>
-              <a:t> FROM </a:t>
-            </a:r>
-            <a:r>
-              <a:rPr lang="en-GB" sz="1000" dirty="0" err="1" smtClean="0"/>
-              <a:t>envdata_hornsea</a:t>
-            </a:r>
-            <a:r>
-              <a:rPr lang="en-GB" sz="1000" dirty="0" smtClean="0"/>
-              <a:t>) UNION </a:t>
-            </a:r>
-            <a:endParaRPr lang="en-GB" sz="1000" dirty="0" smtClean="0"/>
-          </a:p>
-          <a:p>
-            <a:r>
-              <a:rPr lang="en-GB" sz="1000" dirty="0" smtClean="0"/>
-              <a:t>(</a:t>
-            </a:r>
-            <a:r>
-              <a:rPr lang="en-GB" sz="1000" dirty="0" smtClean="0"/>
-              <a:t>SELECT </a:t>
-            </a:r>
-            <a:r>
-              <a:rPr lang="en-GB" sz="1000" dirty="0" err="1" smtClean="0"/>
-              <a:t>Lon,timestamp,Hs,Lat</a:t>
-            </a:r>
-            <a:r>
-              <a:rPr lang="en-GB" sz="1000" dirty="0" smtClean="0"/>
-              <a:t> FROM </a:t>
-            </a:r>
-            <a:r>
-              <a:rPr lang="en-GB" sz="1000" dirty="0" err="1" smtClean="0"/>
-              <a:t>envdata_milford</a:t>
-            </a:r>
-            <a:r>
-              <a:rPr lang="en-GB" sz="1000" dirty="0" smtClean="0"/>
-              <a:t>) UNION </a:t>
-            </a:r>
-            <a:endParaRPr lang="en-GB" sz="1000" dirty="0" smtClean="0"/>
-          </a:p>
-          <a:p>
-            <a:r>
-              <a:rPr lang="en-GB" sz="1000" dirty="0" smtClean="0"/>
-              <a:t>(</a:t>
-            </a:r>
-            <a:r>
-              <a:rPr lang="en-GB" sz="1000" dirty="0" smtClean="0"/>
-              <a:t>SELECT </a:t>
-            </a:r>
-            <a:r>
-              <a:rPr lang="en-GB" sz="1000" dirty="0" err="1" smtClean="0"/>
-              <a:t>Lon,timestamp,Hs,Lat</a:t>
-            </a:r>
-            <a:r>
-              <a:rPr lang="en-GB" sz="1000" dirty="0" smtClean="0"/>
-              <a:t> FROM </a:t>
-            </a:r>
-            <a:r>
-              <a:rPr lang="en-GB" sz="1000" dirty="0" err="1" smtClean="0"/>
-              <a:t>envdata_chesil</a:t>
-            </a:r>
-            <a:r>
-              <a:rPr lang="en-GB" sz="1000" dirty="0" smtClean="0"/>
-              <a:t>) UNION </a:t>
-            </a:r>
-            <a:endParaRPr lang="en-GB" sz="1000" dirty="0" smtClean="0"/>
-          </a:p>
-          <a:p>
-            <a:r>
-              <a:rPr lang="en-GB" sz="1000" dirty="0" smtClean="0"/>
-              <a:t>(</a:t>
-            </a:r>
-            <a:r>
-              <a:rPr lang="en-GB" sz="1000" dirty="0" smtClean="0"/>
-              <a:t>SELECT </a:t>
-            </a:r>
-            <a:r>
-              <a:rPr lang="en-GB" sz="1000" dirty="0" err="1" smtClean="0"/>
-              <a:t>Lon,timestamp,Hs,Lat</a:t>
-            </a:r>
-            <a:r>
-              <a:rPr lang="en-GB" sz="1000" dirty="0" smtClean="0"/>
-              <a:t> FROM </a:t>
-            </a:r>
-            <a:r>
-              <a:rPr lang="en-GB" sz="1000" dirty="0" err="1" smtClean="0"/>
-              <a:t>envdata_perranporth</a:t>
-            </a:r>
-            <a:r>
-              <a:rPr lang="en-GB" sz="1000" dirty="0" smtClean="0"/>
-              <a:t>) UNION </a:t>
-            </a:r>
-            <a:endParaRPr lang="en-GB" sz="1000" dirty="0" smtClean="0"/>
-          </a:p>
-          <a:p>
-            <a:r>
-              <a:rPr lang="en-GB" sz="1000" dirty="0" smtClean="0"/>
-              <a:t>(</a:t>
-            </a:r>
-            <a:r>
-              <a:rPr lang="en-GB" sz="1000" dirty="0" smtClean="0"/>
-              <a:t>SELECT </a:t>
-            </a:r>
-            <a:r>
-              <a:rPr lang="en-GB" sz="1000" dirty="0" err="1" smtClean="0"/>
-              <a:t>Lon,timestamp,Hs,Lat</a:t>
-            </a:r>
-            <a:r>
-              <a:rPr lang="en-GB" sz="1000" dirty="0" smtClean="0"/>
-              <a:t> FROM </a:t>
-            </a:r>
-            <a:r>
-              <a:rPr lang="en-GB" sz="1000" dirty="0" err="1" smtClean="0"/>
-              <a:t>envdata_westbay</a:t>
-            </a:r>
-            <a:r>
-              <a:rPr lang="en-GB" sz="1000" dirty="0" smtClean="0"/>
-              <a:t>) UNION </a:t>
-            </a:r>
-            <a:endParaRPr lang="en-GB" sz="1000" dirty="0" smtClean="0"/>
-          </a:p>
-          <a:p>
-            <a:r>
-              <a:rPr lang="en-GB" sz="1000" dirty="0" smtClean="0"/>
-              <a:t>(</a:t>
-            </a:r>
-            <a:r>
-              <a:rPr lang="en-GB" sz="1000" dirty="0" smtClean="0"/>
-              <a:t>SELECT </a:t>
-            </a:r>
-            <a:r>
-              <a:rPr lang="en-GB" sz="1000" dirty="0" err="1" smtClean="0"/>
-              <a:t>Lon,timestamp,Hs,Lat</a:t>
-            </a:r>
-            <a:r>
-              <a:rPr lang="en-GB" sz="1000" dirty="0" smtClean="0"/>
-              <a:t> FROM </a:t>
-            </a:r>
-            <a:r>
-              <a:rPr lang="en-GB" sz="1000" dirty="0" err="1" smtClean="0"/>
-              <a:t>envdata_pevenseybay</a:t>
-            </a:r>
-            <a:r>
-              <a:rPr lang="en-GB" sz="1000" dirty="0" smtClean="0"/>
-              <a:t>)</a:t>
-            </a:r>
-            <a:endParaRPr lang="en-GB" sz="1000" dirty="0"/>
-          </a:p>
-        </p:txBody>
-      </p:sp>
-      <p:sp>
-        <p:nvSpPr>
-          <p:cNvPr id="8" name="7 Rectángulo redondeado"/>
+          <p:cNvPr id="40" name="11 Rectángulo redondeado"/>
           <p:cNvSpPr/>
           <p:nvPr/>
         </p:nvSpPr>
         <p:spPr>
           <a:xfrm>
-            <a:off x="1214414" y="1785926"/>
-            <a:ext cx="857256" cy="642942"/>
+            <a:off x="2555776" y="1255080"/>
+            <a:ext cx="1008112" cy="792088"/>
           </a:xfrm>
           <a:prstGeom prst="roundRect">
             <a:avLst/>
           </a:prstGeom>
-          <a:noFill/>
+          <a:solidFill>
+            <a:schemeClr val="bg1"/>
+          </a:solidFill>
           <a:ln w="12700">
             <a:solidFill>
               <a:schemeClr val="tx1"/>
@@ -35933,124 +35209,31 @@
           <a:lstStyle/>
           <a:p>
             <a:pPr algn="ctr"/>
-            <a:endParaRPr lang="en-GB"/>
+            <a:r>
+              <a:rPr lang="en-GB" dirty="0" smtClean="0"/>
+              <a:t>v</a:t>
+            </a:r>
+            <a:endParaRPr lang="en-GB" dirty="0"/>
           </a:p>
         </p:txBody>
       </p:sp>
       <p:sp>
         <p:nvSpPr>
-          <p:cNvPr id="9" name="8 CuadroTexto"/>
-          <p:cNvSpPr txBox="1"/>
-          <p:nvPr/>
-        </p:nvSpPr>
-        <p:spPr>
-          <a:xfrm>
-            <a:off x="1214414" y="1785926"/>
-            <a:ext cx="859531" cy="215444"/>
-          </a:xfrm>
-          <a:prstGeom prst="rect">
-            <a:avLst/>
-          </a:prstGeom>
-          <a:noFill/>
-        </p:spPr>
-        <p:txBody>
-          <a:bodyPr wrap="none" rtlCol="0">
-            <a:spAutoFit/>
-          </a:bodyPr>
-          <a:lstStyle/>
-          <a:p>
-            <a:r>
-              <a:rPr lang="en-GB" sz="800" dirty="0" smtClean="0"/>
-              <a:t>s:windsamples</a:t>
-            </a:r>
-            <a:endParaRPr lang="en-GB" sz="800" dirty="0"/>
-          </a:p>
-        </p:txBody>
-      </p:sp>
-      <p:cxnSp>
-        <p:nvCxnSpPr>
-          <p:cNvPr id="10" name="9 Conector recto"/>
-          <p:cNvCxnSpPr/>
-          <p:nvPr/>
-        </p:nvCxnSpPr>
-        <p:spPr bwMode="auto">
-          <a:xfrm flipV="1">
-            <a:off x="1214414" y="2000240"/>
-            <a:ext cx="857256" cy="2"/>
-          </a:xfrm>
-          <a:prstGeom prst="line">
-            <a:avLst/>
-          </a:prstGeom>
-          <a:noFill/>
-          <a:ln w="12700" cap="flat" cmpd="sng" algn="ctr">
-            <a:solidFill>
-              <a:schemeClr val="tx1"/>
-            </a:solidFill>
-            <a:prstDash val="solid"/>
-            <a:round/>
-            <a:headEnd type="none" w="med" len="med"/>
-            <a:tailEnd type="none" w="med" len="med"/>
-          </a:ln>
-          <a:effectLst/>
-        </p:spPr>
-      </p:cxnSp>
-      <p:sp>
-        <p:nvSpPr>
-          <p:cNvPr id="11" name="10 CuadroTexto"/>
-          <p:cNvSpPr txBox="1"/>
-          <p:nvPr/>
-        </p:nvSpPr>
-        <p:spPr>
-          <a:xfrm>
-            <a:off x="1214414" y="2000240"/>
-            <a:ext cx="907621" cy="461665"/>
-          </a:xfrm>
-          <a:prstGeom prst="rect">
-            <a:avLst/>
-          </a:prstGeom>
-          <a:noFill/>
-        </p:spPr>
-        <p:txBody>
-          <a:bodyPr wrap="none" rtlCol="0">
-            <a:spAutoFit/>
-          </a:bodyPr>
-          <a:lstStyle/>
-          <a:p>
-            <a:r>
-              <a:rPr lang="en-GB" sz="800" dirty="0" smtClean="0"/>
-              <a:t>sensorid: int PK</a:t>
-            </a:r>
-          </a:p>
-          <a:p>
-            <a:r>
-              <a:rPr lang="en-GB" sz="800" dirty="0" smtClean="0"/>
-              <a:t>ts: datetime PK</a:t>
-            </a:r>
-          </a:p>
-          <a:p>
-            <a:r>
-              <a:rPr lang="en-GB" sz="800" dirty="0" smtClean="0"/>
-              <a:t>speed: float</a:t>
-            </a:r>
-            <a:endParaRPr lang="en-GB" sz="800" dirty="0"/>
-          </a:p>
-        </p:txBody>
-      </p:sp>
-      <p:sp>
-        <p:nvSpPr>
-          <p:cNvPr id="12" name="11 Rectángulo redondeado"/>
+          <p:cNvPr id="39" name="11 Rectángulo redondeado"/>
           <p:cNvSpPr/>
           <p:nvPr/>
         </p:nvSpPr>
         <p:spPr>
           <a:xfrm>
-            <a:off x="1214414" y="2571744"/>
-            <a:ext cx="857256" cy="571504"/>
+            <a:off x="2483768" y="1471104"/>
+            <a:ext cx="1008112" cy="792088"/>
           </a:xfrm>
           <a:prstGeom prst="roundRect">
             <a:avLst/>
           </a:prstGeom>
-          <a:noFill/>
+          <a:solidFill>
+            <a:schemeClr val="bg1"/>
+          </a:solidFill>
           <a:ln w="12700">
             <a:solidFill>
               <a:schemeClr val="tx1"/>
@@ -36078,118 +35261,31 @@
           <a:lstStyle/>
           <a:p>
             <a:pPr algn="ctr"/>
-            <a:endParaRPr lang="en-GB"/>
+            <a:r>
+              <a:rPr lang="en-GB" dirty="0" smtClean="0"/>
+              <a:t>v</a:t>
+            </a:r>
+            <a:endParaRPr lang="en-GB" dirty="0"/>
           </a:p>
         </p:txBody>
       </p:sp>
       <p:sp>
         <p:nvSpPr>
-          <p:cNvPr id="13" name="12 CuadroTexto"/>
-          <p:cNvSpPr txBox="1"/>
-          <p:nvPr/>
-        </p:nvSpPr>
-        <p:spPr>
-          <a:xfrm>
-            <a:off x="1214414" y="2571744"/>
-            <a:ext cx="857256" cy="215444"/>
-          </a:xfrm>
-          <a:prstGeom prst="rect">
-            <a:avLst/>
-          </a:prstGeom>
-          <a:noFill/>
-        </p:spPr>
-        <p:txBody>
-          <a:bodyPr wrap="square" rtlCol="0">
-            <a:spAutoFit/>
-          </a:bodyPr>
-          <a:lstStyle/>
-          <a:p>
-            <a:pPr algn="ctr"/>
-            <a:r>
-              <a:rPr lang="en-GB" sz="800" dirty="0" smtClean="0"/>
-              <a:t>t:sensors</a:t>
-            </a:r>
-            <a:endParaRPr lang="en-GB" sz="800" dirty="0"/>
-          </a:p>
-        </p:txBody>
-      </p:sp>
-      <p:cxnSp>
-        <p:nvCxnSpPr>
-          <p:cNvPr id="14" name="13 Conector recto"/>
-          <p:cNvCxnSpPr/>
-          <p:nvPr/>
-        </p:nvCxnSpPr>
-        <p:spPr bwMode="auto">
-          <a:xfrm flipV="1">
-            <a:off x="1214414" y="2786058"/>
-            <a:ext cx="857256" cy="2"/>
-          </a:xfrm>
-          <a:prstGeom prst="line">
-            <a:avLst/>
-          </a:prstGeom>
-          <a:noFill/>
-          <a:ln w="12700" cap="flat" cmpd="sng" algn="ctr">
-            <a:solidFill>
-              <a:schemeClr val="tx1"/>
-            </a:solidFill>
-            <a:prstDash val="solid"/>
-            <a:round/>
-            <a:headEnd type="none" w="med" len="med"/>
-            <a:tailEnd type="none" w="med" len="med"/>
-          </a:ln>
-          <a:effectLst/>
-        </p:spPr>
-      </p:cxnSp>
-      <p:sp>
-        <p:nvSpPr>
-          <p:cNvPr id="15" name="14 CuadroTexto"/>
-          <p:cNvSpPr txBox="1"/>
-          <p:nvPr/>
-        </p:nvSpPr>
-        <p:spPr>
-          <a:xfrm>
-            <a:off x="1214414" y="2786058"/>
-            <a:ext cx="907621" cy="338554"/>
-          </a:xfrm>
-          <a:prstGeom prst="rect">
-            <a:avLst/>
-          </a:prstGeom>
-          <a:noFill/>
-        </p:spPr>
-        <p:txBody>
-          <a:bodyPr wrap="none" rtlCol="0">
-            <a:spAutoFit/>
-          </a:bodyPr>
-          <a:lstStyle/>
-          <a:p>
-            <a:r>
-              <a:rPr lang="en-GB" sz="800" dirty="0" smtClean="0"/>
-              <a:t>sensorid: int PK</a:t>
-            </a:r>
-          </a:p>
-          <a:p>
-            <a:r>
-              <a:rPr lang="en-GB" sz="800" dirty="0" smtClean="0"/>
-              <a:t>sensorname: st</a:t>
-            </a:r>
-          </a:p>
-        </p:txBody>
-      </p:sp>
-      <p:sp>
-        <p:nvSpPr>
-          <p:cNvPr id="16" name="15 Elipse"/>
+          <p:cNvPr id="38" name="11 Rectángulo redondeado"/>
           <p:cNvSpPr/>
           <p:nvPr/>
         </p:nvSpPr>
         <p:spPr>
           <a:xfrm>
-            <a:off x="4500562" y="1643050"/>
-            <a:ext cx="928694" cy="357190"/>
+            <a:off x="2411760" y="1687128"/>
+            <a:ext cx="1008112" cy="792088"/>
           </a:xfrm>
-          <a:prstGeom prst="ellipse">
+          <a:prstGeom prst="roundRect">
             <a:avLst/>
           </a:prstGeom>
-          <a:noFill/>
+          <a:solidFill>
+            <a:schemeClr val="bg1"/>
+          </a:solidFill>
           <a:ln w="12700">
             <a:solidFill>
               <a:schemeClr val="tx1"/>
@@ -36217,56 +35313,31 @@
           <a:lstStyle/>
           <a:p>
             <a:pPr algn="ctr"/>
-            <a:endParaRPr lang="en-GB"/>
+            <a:r>
+              <a:rPr lang="en-GB" dirty="0" smtClean="0"/>
+              <a:t>v</a:t>
+            </a:r>
+            <a:endParaRPr lang="en-GB" dirty="0"/>
           </a:p>
         </p:txBody>
       </p:sp>
       <p:sp>
         <p:nvSpPr>
-          <p:cNvPr id="17" name="16 CuadroTexto"/>
-          <p:cNvSpPr txBox="1"/>
-          <p:nvPr/>
-        </p:nvSpPr>
-        <p:spPr>
-          <a:xfrm>
-            <a:off x="4572000" y="1714488"/>
-            <a:ext cx="814646" cy="215444"/>
-          </a:xfrm>
-          <a:prstGeom prst="rect">
-            <a:avLst/>
-          </a:prstGeom>
-          <a:noFill/>
-        </p:spPr>
-        <p:txBody>
-          <a:bodyPr wrap="square" rtlCol="0">
-            <a:spAutoFit/>
-          </a:bodyPr>
-          <a:lstStyle/>
-          <a:p>
-            <a:pPr algn="ctr"/>
-            <a:r>
-              <a:rPr lang="en-GB" sz="800" dirty="0" smtClean="0"/>
-              <a:t>Observation</a:t>
-            </a:r>
-            <a:endParaRPr lang="en-GB" sz="800" dirty="0"/>
-          </a:p>
-        </p:txBody>
-      </p:sp>
-      <p:sp>
-        <p:nvSpPr>
-          <p:cNvPr id="18" name="17 Elipse"/>
+          <p:cNvPr id="12" name="11 Rectángulo redondeado"/>
           <p:cNvSpPr/>
           <p:nvPr/>
         </p:nvSpPr>
         <p:spPr>
           <a:xfrm>
-            <a:off x="4643438" y="2500306"/>
-            <a:ext cx="642942" cy="214314"/>
+            <a:off x="2339752" y="1903152"/>
+            <a:ext cx="1008112" cy="792088"/>
           </a:xfrm>
-          <a:prstGeom prst="ellipse">
+          <a:prstGeom prst="roundRect">
             <a:avLst/>
           </a:prstGeom>
-          <a:noFill/>
+          <a:solidFill>
+            <a:schemeClr val="bg1"/>
+          </a:solidFill>
           <a:ln w="12700">
             <a:solidFill>
               <a:schemeClr val="tx1"/>
@@ -36294,20 +35365,102 @@
           <a:lstStyle/>
           <a:p>
             <a:pPr algn="ctr"/>
-            <a:endParaRPr lang="en-GB"/>
+            <a:r>
+              <a:rPr lang="en-GB" dirty="0" smtClean="0"/>
+              <a:t>v</a:t>
+            </a:r>
+            <a:endParaRPr lang="en-GB" dirty="0"/>
           </a:p>
         </p:txBody>
       </p:sp>
       <p:sp>
         <p:nvSpPr>
-          <p:cNvPr id="19" name="18 CuadroTexto"/>
+          <p:cNvPr id="2" name="1 Título"/>
+          <p:cNvSpPr>
+            <a:spLocks noGrp="1"/>
+          </p:cNvSpPr>
+          <p:nvPr>
+            <p:ph type="title"/>
+          </p:nvPr>
+        </p:nvSpPr>
+        <p:spPr/>
+        <p:txBody>
+          <a:bodyPr/>
+          <a:lstStyle/>
+          <a:p>
+            <a:r>
+              <a:rPr lang="en-GB" dirty="0" smtClean="0"/>
+              <a:t>So Far...</a:t>
+            </a:r>
+            <a:endParaRPr lang="en-GB" dirty="0"/>
+          </a:p>
+        </p:txBody>
+      </p:sp>
+      <p:sp>
+        <p:nvSpPr>
+          <p:cNvPr id="4" name="3 Marcador de número de diapositiva"/>
+          <p:cNvSpPr>
+            <a:spLocks noGrp="1"/>
+          </p:cNvSpPr>
+          <p:nvPr>
+            <p:ph type="sldNum" sz="quarter" idx="10"/>
+          </p:nvPr>
+        </p:nvSpPr>
+        <p:spPr/>
+        <p:txBody>
+          <a:bodyPr/>
+          <a:lstStyle/>
+          <a:p>
+            <a:pPr>
+              <a:defRPr/>
+            </a:pPr>
+            <a:fld id="{54B72F7C-718B-4771-923D-883B9E3B344D}" type="slidenum">
+              <a:rPr lang="es-ES" smtClean="0"/>
+              <a:pPr>
+                <a:defRPr/>
+              </a:pPr>
+              <a:t>9</a:t>
+            </a:fld>
+            <a:endParaRPr lang="es-ES"/>
+          </a:p>
+        </p:txBody>
+      </p:sp>
+      <p:sp>
+        <p:nvSpPr>
+          <p:cNvPr id="5" name="4 Marcador de pie de página"/>
+          <p:cNvSpPr>
+            <a:spLocks noGrp="1"/>
+          </p:cNvSpPr>
+          <p:nvPr>
+            <p:ph type="ftr" sz="quarter" idx="11"/>
+          </p:nvPr>
+        </p:nvSpPr>
+        <p:spPr/>
+        <p:txBody>
+          <a:bodyPr/>
+          <a:lstStyle/>
+          <a:p>
+            <a:pPr>
+              <a:defRPr/>
+            </a:pPr>
+            <a:r>
+              <a:rPr lang="es-ES" smtClean="0"/>
+              <a:t>Enabling Semantic Integration of Streaming Data Sources</a:t>
+            </a:r>
+            <a:endParaRPr lang="es-ES" dirty="0"/>
+          </a:p>
+        </p:txBody>
+      </p:sp>
+      <p:sp>
+        <p:nvSpPr>
+          <p:cNvPr id="6" name="5 CuadroTexto"/>
           <p:cNvSpPr txBox="1"/>
           <p:nvPr/>
         </p:nvSpPr>
         <p:spPr>
           <a:xfrm>
-            <a:off x="4429124" y="2571744"/>
-            <a:ext cx="857256" cy="338554"/>
+            <a:off x="0" y="3286125"/>
+            <a:ext cx="4643470" cy="2862322"/>
           </a:xfrm>
           <a:prstGeom prst="rect">
             <a:avLst/>
@@ -36320,55 +35473,334 @@
           </a:bodyPr>
           <a:lstStyle/>
           <a:p>
-            <a:pPr algn="ctr"/>
-            <a:r>
-              <a:rPr lang="en-GB" sz="800" dirty="0" err="1" smtClean="0"/>
-              <a:t>WaveHeightProperty</a:t>
-            </a:r>
-            <a:endParaRPr lang="en-GB" sz="800" dirty="0"/>
+            <a:r>
+              <a:rPr lang="en-GB" sz="1000" dirty="0" smtClean="0"/>
+              <a:t>PREFIX </a:t>
+            </a:r>
+            <a:r>
+              <a:rPr lang="en-GB" sz="1000" u="sng" dirty="0" err="1" smtClean="0"/>
+              <a:t>cd</a:t>
+            </a:r>
+            <a:r>
+              <a:rPr lang="en-GB" sz="1000" u="sng" dirty="0" smtClean="0"/>
+              <a:t>: &lt;http://www.semsorgrid4env.eu/ontologies/CoastalDefences.owl#&gt;</a:t>
+            </a:r>
+          </a:p>
+          <a:p>
+            <a:r>
+              <a:rPr lang="en-GB" sz="1000" dirty="0" smtClean="0"/>
+              <a:t>PREFIX </a:t>
+            </a:r>
+            <a:r>
+              <a:rPr lang="en-GB" sz="1000" u="sng" dirty="0" err="1" smtClean="0"/>
+              <a:t>sb</a:t>
+            </a:r>
+            <a:r>
+              <a:rPr lang="en-GB" sz="1000" u="sng" dirty="0" smtClean="0"/>
+              <a:t>: &lt;http://www.w3.org/2009/SSN-XG/Ontologies/SensorBasis.owl#&gt; </a:t>
+            </a:r>
+          </a:p>
+          <a:p>
+            <a:r>
+              <a:rPr lang="en-GB" sz="1000" dirty="0" smtClean="0"/>
+              <a:t>PREFIX </a:t>
+            </a:r>
+            <a:r>
+              <a:rPr lang="en-GB" sz="1000" u="sng" dirty="0" err="1" smtClean="0"/>
+              <a:t>rdf</a:t>
+            </a:r>
+            <a:r>
+              <a:rPr lang="en-GB" sz="1000" u="sng" dirty="0" smtClean="0"/>
+              <a:t>: &lt;http://www.w3.org/1999/02/22-rdf-syntax-ns#&gt; </a:t>
+            </a:r>
+          </a:p>
+          <a:p>
+            <a:r>
+              <a:rPr lang="en-US" sz="1000" dirty="0" smtClean="0"/>
+              <a:t>SELECT  ?</a:t>
+            </a:r>
+            <a:r>
+              <a:rPr lang="en-US" sz="1000" u="sng" dirty="0" err="1" smtClean="0"/>
+              <a:t>waveheight</a:t>
+            </a:r>
+            <a:r>
+              <a:rPr lang="en-US" sz="1000" u="sng" dirty="0" smtClean="0"/>
+              <a:t> ?</a:t>
+            </a:r>
+            <a:r>
+              <a:rPr lang="en-US" sz="1000" u="sng" dirty="0" err="1" smtClean="0"/>
+              <a:t>wavets</a:t>
+            </a:r>
+            <a:r>
+              <a:rPr lang="en-US" sz="1000" u="sng" dirty="0" smtClean="0"/>
+              <a:t>  ?lat ?</a:t>
+            </a:r>
+            <a:r>
+              <a:rPr lang="en-US" sz="1000" u="sng" dirty="0" err="1" smtClean="0"/>
+              <a:t>lon</a:t>
+            </a:r>
+            <a:r>
+              <a:rPr lang="en-US" sz="1000" u="sng" dirty="0" smtClean="0"/>
+              <a:t> </a:t>
+            </a:r>
+          </a:p>
+          <a:p>
+            <a:r>
+              <a:rPr lang="en-GB" sz="1000" dirty="0" smtClean="0"/>
+              <a:t>FROM STREAM &lt;http://www.semsorgrid4env/ccometeo.srdf&gt;   </a:t>
+            </a:r>
+          </a:p>
+          <a:p>
+            <a:r>
+              <a:rPr lang="en-GB" sz="1000" dirty="0" smtClean="0"/>
+              <a:t>WHERE </a:t>
+            </a:r>
+          </a:p>
+          <a:p>
+            <a:r>
+              <a:rPr lang="en-GB" sz="1000" dirty="0" smtClean="0"/>
+              <a:t>{ </a:t>
+            </a:r>
+          </a:p>
+          <a:p>
+            <a:r>
+              <a:rPr lang="en-GB" sz="1000" dirty="0" smtClean="0"/>
+              <a:t> ?</a:t>
+            </a:r>
+            <a:r>
+              <a:rPr lang="en-GB" sz="1000" dirty="0" err="1" smtClean="0"/>
+              <a:t>WaveObs</a:t>
+            </a:r>
+            <a:r>
+              <a:rPr lang="en-GB" sz="1000" dirty="0" smtClean="0"/>
+              <a:t> a </a:t>
+            </a:r>
+            <a:r>
+              <a:rPr lang="en-GB" sz="1000" dirty="0" err="1" smtClean="0"/>
+              <a:t>cd:Observation</a:t>
+            </a:r>
+            <a:r>
+              <a:rPr lang="en-GB" sz="1000" dirty="0" smtClean="0"/>
+              <a:t>; </a:t>
+            </a:r>
+          </a:p>
+          <a:p>
+            <a:r>
+              <a:rPr lang="en-GB" sz="1000" dirty="0" smtClean="0"/>
+              <a:t>    </a:t>
+            </a:r>
+            <a:r>
+              <a:rPr lang="en-GB" sz="1000" dirty="0" err="1" smtClean="0"/>
+              <a:t>cd:observationResult</a:t>
+            </a:r>
+            <a:r>
+              <a:rPr lang="en-GB" sz="1000" dirty="0" smtClean="0"/>
+              <a:t> ?</a:t>
+            </a:r>
+            <a:r>
+              <a:rPr lang="en-GB" sz="1000" u="sng" dirty="0" err="1" smtClean="0"/>
+              <a:t>waveheight</a:t>
+            </a:r>
+            <a:r>
+              <a:rPr lang="en-GB" sz="1000" u="sng" dirty="0" smtClean="0"/>
+              <a:t>; </a:t>
+            </a:r>
+          </a:p>
+          <a:p>
+            <a:r>
+              <a:rPr lang="en-GB" sz="1000" dirty="0" smtClean="0"/>
+              <a:t>    </a:t>
+            </a:r>
+            <a:r>
+              <a:rPr lang="en-GB" sz="1000" dirty="0" err="1" smtClean="0"/>
+              <a:t>cd:observationResultTime</a:t>
+            </a:r>
+            <a:r>
+              <a:rPr lang="en-GB" sz="1000" dirty="0" smtClean="0"/>
+              <a:t> ?</a:t>
+            </a:r>
+            <a:r>
+              <a:rPr lang="en-GB" sz="1000" u="sng" dirty="0" err="1" smtClean="0"/>
+              <a:t>wavets</a:t>
+            </a:r>
+            <a:r>
+              <a:rPr lang="en-GB" sz="1000" u="sng" dirty="0" smtClean="0"/>
+              <a:t>;</a:t>
+            </a:r>
+          </a:p>
+          <a:p>
+            <a:r>
+              <a:rPr lang="en-GB" sz="1000" dirty="0" smtClean="0"/>
+              <a:t>    </a:t>
+            </a:r>
+            <a:r>
+              <a:rPr lang="en-GB" sz="1000" dirty="0" err="1" smtClean="0"/>
+              <a:t>cd:observationResultLatitude</a:t>
+            </a:r>
+            <a:r>
+              <a:rPr lang="en-GB" sz="1000" dirty="0" smtClean="0"/>
+              <a:t> ?</a:t>
+            </a:r>
+            <a:r>
+              <a:rPr lang="en-GB" sz="1000" u="sng" dirty="0" smtClean="0"/>
+              <a:t>lat;</a:t>
+            </a:r>
+          </a:p>
+          <a:p>
+            <a:r>
+              <a:rPr lang="en-GB" sz="1000" dirty="0" smtClean="0"/>
+              <a:t>    </a:t>
+            </a:r>
+            <a:r>
+              <a:rPr lang="en-GB" sz="1000" dirty="0" err="1" smtClean="0"/>
+              <a:t>cd:observationResultLongitude</a:t>
+            </a:r>
+            <a:r>
+              <a:rPr lang="en-GB" sz="1000" dirty="0" smtClean="0"/>
+              <a:t> ?</a:t>
+            </a:r>
+            <a:r>
+              <a:rPr lang="en-GB" sz="1000" u="sng" dirty="0" err="1" smtClean="0"/>
+              <a:t>lon</a:t>
+            </a:r>
+            <a:r>
+              <a:rPr lang="en-GB" sz="1000" u="sng" dirty="0" smtClean="0"/>
+              <a:t>;</a:t>
+            </a:r>
+          </a:p>
+          <a:p>
+            <a:r>
+              <a:rPr lang="en-GB" sz="1000" dirty="0" smtClean="0"/>
+              <a:t>    </a:t>
+            </a:r>
+            <a:r>
+              <a:rPr lang="en-GB" sz="1000" dirty="0" err="1" smtClean="0"/>
+              <a:t>cd:observedProperty</a:t>
+            </a:r>
+            <a:r>
+              <a:rPr lang="en-GB" sz="1000" dirty="0" smtClean="0"/>
+              <a:t> ?</a:t>
+            </a:r>
+            <a:r>
+              <a:rPr lang="en-GB" sz="1000" dirty="0" err="1" smtClean="0"/>
+              <a:t>waveProperty</a:t>
+            </a:r>
+            <a:r>
+              <a:rPr lang="en-GB" sz="1000" dirty="0" smtClean="0"/>
+              <a:t>;</a:t>
+            </a:r>
+          </a:p>
+          <a:p>
+            <a:r>
+              <a:rPr lang="en-GB" sz="1000" dirty="0" smtClean="0"/>
+              <a:t>    </a:t>
+            </a:r>
+            <a:r>
+              <a:rPr lang="en-GB" sz="1000" dirty="0" err="1" smtClean="0"/>
+              <a:t>cd:featureOfInterest</a:t>
+            </a:r>
+            <a:r>
+              <a:rPr lang="en-GB" sz="1000" dirty="0" smtClean="0"/>
+              <a:t> ?</a:t>
+            </a:r>
+            <a:r>
+              <a:rPr lang="en-GB" sz="1000" dirty="0" err="1" smtClean="0"/>
+              <a:t>waveFeature</a:t>
+            </a:r>
+            <a:r>
+              <a:rPr lang="en-GB" sz="1000" dirty="0" smtClean="0"/>
+              <a:t>.   </a:t>
+            </a:r>
+          </a:p>
+          <a:p>
+            <a:r>
+              <a:rPr lang="en-GB" sz="1000" dirty="0" smtClean="0"/>
+              <a:t> ?</a:t>
+            </a:r>
+            <a:r>
+              <a:rPr lang="en-GB" sz="1000" dirty="0" err="1" smtClean="0"/>
+              <a:t>waveFeature</a:t>
+            </a:r>
+            <a:r>
+              <a:rPr lang="en-GB" sz="1000" dirty="0" smtClean="0"/>
+              <a:t> a </a:t>
+            </a:r>
+            <a:r>
+              <a:rPr lang="en-GB" sz="1000" dirty="0" err="1" smtClean="0"/>
+              <a:t>cd:Feature</a:t>
+            </a:r>
+            <a:r>
+              <a:rPr lang="en-GB" sz="1000" dirty="0" smtClean="0"/>
+              <a:t>;</a:t>
+            </a:r>
+          </a:p>
+          <a:p>
+            <a:r>
+              <a:rPr lang="en-GB" sz="1000" dirty="0" smtClean="0"/>
+              <a:t>    </a:t>
+            </a:r>
+            <a:r>
+              <a:rPr lang="en-GB" sz="1000" dirty="0" err="1" smtClean="0"/>
+              <a:t>cd:locatedInRegion</a:t>
+            </a:r>
+            <a:r>
+              <a:rPr lang="en-GB" sz="1000" dirty="0" smtClean="0"/>
+              <a:t> </a:t>
+            </a:r>
+            <a:r>
+              <a:rPr lang="en-GB" sz="1000" dirty="0" err="1" smtClean="0"/>
+              <a:t>cd:SouthEastEnglandCCO</a:t>
+            </a:r>
+            <a:r>
+              <a:rPr lang="en-GB" sz="1000" dirty="0" smtClean="0"/>
+              <a:t>.</a:t>
+            </a:r>
+          </a:p>
+          <a:p>
+            <a:r>
+              <a:rPr lang="en-GB" sz="1000" dirty="0" smtClean="0"/>
+              <a:t> ?</a:t>
+            </a:r>
+            <a:r>
+              <a:rPr lang="en-GB" sz="1000" dirty="0" err="1" smtClean="0"/>
+              <a:t>waveProperty</a:t>
+            </a:r>
+            <a:r>
+              <a:rPr lang="en-GB" sz="1000" dirty="0" smtClean="0"/>
+              <a:t> a </a:t>
+            </a:r>
+            <a:r>
+              <a:rPr lang="en-GB" sz="1000" dirty="0" err="1" smtClean="0"/>
+              <a:t>cd:WaveHeight</a:t>
+            </a:r>
+            <a:r>
+              <a:rPr lang="en-GB" sz="1000" dirty="0" smtClean="0"/>
+              <a:t>. </a:t>
+            </a:r>
+          </a:p>
+          <a:p>
+            <a:r>
+              <a:rPr lang="en-GB" sz="1000" dirty="0" smtClean="0"/>
+              <a:t> </a:t>
+            </a:r>
+            <a:r>
+              <a:rPr lang="en-GB" sz="1000" dirty="0" smtClean="0"/>
+              <a:t>}</a:t>
+            </a:r>
+            <a:endParaRPr lang="en-GB" sz="1000" dirty="0" smtClean="0"/>
           </a:p>
         </p:txBody>
       </p:sp>
-      <p:cxnSp>
-        <p:nvCxnSpPr>
-          <p:cNvPr id="20" name="19 Conector recto de flecha"/>
-          <p:cNvCxnSpPr>
-            <a:stCxn id="16" idx="4"/>
-            <a:endCxn id="19" idx="0"/>
-          </p:cNvCxnSpPr>
-          <p:nvPr/>
-        </p:nvCxnSpPr>
-        <p:spPr bwMode="auto">
-          <a:xfrm rot="5400000">
-            <a:off x="4625579" y="2232414"/>
-            <a:ext cx="571504" cy="107157"/>
-          </a:xfrm>
-          <a:prstGeom prst="straightConnector1">
-            <a:avLst/>
-          </a:prstGeom>
-          <a:noFill/>
-          <a:ln w="9525" cap="flat" cmpd="sng" algn="ctr">
-            <a:solidFill>
-              <a:schemeClr val="tx1"/>
-            </a:solidFill>
-            <a:prstDash val="solid"/>
-            <a:round/>
-            <a:headEnd type="none" w="med" len="med"/>
-            <a:tailEnd type="arrow"/>
-          </a:ln>
-          <a:effectLst/>
-        </p:spPr>
-      </p:cxnSp>
       <p:sp>
         <p:nvSpPr>
-          <p:cNvPr id="21" name="20 CuadroTexto"/>
+          <p:cNvPr id="7" name="6 CuadroTexto"/>
           <p:cNvSpPr txBox="1"/>
           <p:nvPr/>
         </p:nvSpPr>
         <p:spPr>
           <a:xfrm>
-            <a:off x="4214810" y="2071678"/>
-            <a:ext cx="814646" cy="338554"/>
+            <a:off x="4985489" y="4221088"/>
+            <a:ext cx="4158511" cy="1169551"/>
           </a:xfrm>
           <a:prstGeom prst="rect">
             <a:avLst/>
@@ -36376,35 +35808,184 @@
           <a:noFill/>
         </p:spPr>
         <p:txBody>
-          <a:bodyPr wrap="square" rtlCol="0">
+          <a:bodyPr wrap="none" rtlCol="0">
             <a:spAutoFit/>
           </a:bodyPr>
           <a:lstStyle/>
           <a:p>
-            <a:pPr algn="ctr"/>
-            <a:r>
-              <a:rPr lang="en-GB" sz="800" dirty="0" err="1" smtClean="0"/>
-              <a:t>observedProperty</a:t>
-            </a:r>
-            <a:endParaRPr lang="en-GB" sz="800" dirty="0"/>
+            <a:r>
+              <a:rPr lang="en-GB" sz="1000" dirty="0" smtClean="0"/>
+              <a:t>(SELECT </a:t>
+            </a:r>
+            <a:r>
+              <a:rPr lang="en-GB" sz="1000" dirty="0" err="1" smtClean="0"/>
+              <a:t>Lon,timestamp,Hs,Lat</a:t>
+            </a:r>
+            <a:r>
+              <a:rPr lang="en-GB" sz="1000" dirty="0" smtClean="0"/>
+              <a:t> FROM </a:t>
+            </a:r>
+            <a:r>
+              <a:rPr lang="en-GB" sz="1000" dirty="0" err="1" smtClean="0"/>
+              <a:t>envdata_rhylflats</a:t>
+            </a:r>
+            <a:r>
+              <a:rPr lang="en-GB" sz="1000" dirty="0" smtClean="0"/>
+              <a:t>) UNION </a:t>
+            </a:r>
+          </a:p>
+          <a:p>
+            <a:r>
+              <a:rPr lang="en-GB" sz="1000" dirty="0" smtClean="0"/>
+              <a:t>(SELECT </a:t>
+            </a:r>
+            <a:r>
+              <a:rPr lang="en-GB" sz="1000" dirty="0" err="1" smtClean="0"/>
+              <a:t>Lon,timestamp,Hs,Lat</a:t>
+            </a:r>
+            <a:r>
+              <a:rPr lang="en-GB" sz="1000" dirty="0" smtClean="0"/>
+              <a:t> FROM </a:t>
+            </a:r>
+            <a:r>
+              <a:rPr lang="en-GB" sz="1000" dirty="0" err="1" smtClean="0"/>
+              <a:t>envdata_hornsea</a:t>
+            </a:r>
+            <a:r>
+              <a:rPr lang="en-GB" sz="1000" dirty="0" smtClean="0"/>
+              <a:t>) UNION </a:t>
+            </a:r>
+          </a:p>
+          <a:p>
+            <a:r>
+              <a:rPr lang="en-GB" sz="1000" dirty="0" smtClean="0"/>
+              <a:t>(SELECT </a:t>
+            </a:r>
+            <a:r>
+              <a:rPr lang="en-GB" sz="1000" dirty="0" err="1" smtClean="0"/>
+              <a:t>Lon,timestamp,Hs,Lat</a:t>
+            </a:r>
+            <a:r>
+              <a:rPr lang="en-GB" sz="1000" dirty="0" smtClean="0"/>
+              <a:t> FROM </a:t>
+            </a:r>
+            <a:r>
+              <a:rPr lang="en-GB" sz="1000" dirty="0" err="1" smtClean="0"/>
+              <a:t>envdata_milford</a:t>
+            </a:r>
+            <a:r>
+              <a:rPr lang="en-GB" sz="1000" dirty="0" smtClean="0"/>
+              <a:t>) UNION </a:t>
+            </a:r>
+          </a:p>
+          <a:p>
+            <a:r>
+              <a:rPr lang="en-GB" sz="1000" dirty="0" smtClean="0"/>
+              <a:t>(SELECT </a:t>
+            </a:r>
+            <a:r>
+              <a:rPr lang="en-GB" sz="1000" dirty="0" err="1" smtClean="0"/>
+              <a:t>Lon,timestamp,Hs,Lat</a:t>
+            </a:r>
+            <a:r>
+              <a:rPr lang="en-GB" sz="1000" dirty="0" smtClean="0"/>
+              <a:t> FROM </a:t>
+            </a:r>
+            <a:r>
+              <a:rPr lang="en-GB" sz="1000" dirty="0" err="1" smtClean="0"/>
+              <a:t>envdata_chesil</a:t>
+            </a:r>
+            <a:r>
+              <a:rPr lang="en-GB" sz="1000" dirty="0" smtClean="0"/>
+              <a:t>) UNION </a:t>
+            </a:r>
+          </a:p>
+          <a:p>
+            <a:r>
+              <a:rPr lang="en-GB" sz="1000" dirty="0" smtClean="0"/>
+              <a:t>(SELECT </a:t>
+            </a:r>
+            <a:r>
+              <a:rPr lang="en-GB" sz="1000" dirty="0" err="1" smtClean="0"/>
+              <a:t>Lon,timestamp,Hs,Lat</a:t>
+            </a:r>
+            <a:r>
+              <a:rPr lang="en-GB" sz="1000" dirty="0" smtClean="0"/>
+              <a:t> FROM </a:t>
+            </a:r>
+            <a:r>
+              <a:rPr lang="en-GB" sz="1000" dirty="0" err="1" smtClean="0"/>
+              <a:t>envdata_perranporth</a:t>
+            </a:r>
+            <a:r>
+              <a:rPr lang="en-GB" sz="1000" dirty="0" smtClean="0"/>
+              <a:t>) UNION </a:t>
+            </a:r>
+          </a:p>
+          <a:p>
+            <a:r>
+              <a:rPr lang="en-GB" sz="1000" dirty="0" smtClean="0"/>
+              <a:t>(SELECT </a:t>
+            </a:r>
+            <a:r>
+              <a:rPr lang="en-GB" sz="1000" dirty="0" err="1" smtClean="0"/>
+              <a:t>Lon,timestamp,Hs,Lat</a:t>
+            </a:r>
+            <a:r>
+              <a:rPr lang="en-GB" sz="1000" dirty="0" smtClean="0"/>
+              <a:t> FROM </a:t>
+            </a:r>
+            <a:r>
+              <a:rPr lang="en-GB" sz="1000" dirty="0" err="1" smtClean="0"/>
+              <a:t>envdata_westbay</a:t>
+            </a:r>
+            <a:r>
+              <a:rPr lang="en-GB" sz="1000" dirty="0" smtClean="0"/>
+              <a:t>) UNION </a:t>
+            </a:r>
+          </a:p>
+          <a:p>
+            <a:r>
+              <a:rPr lang="en-GB" sz="1000" dirty="0" smtClean="0"/>
+              <a:t>(SELECT </a:t>
+            </a:r>
+            <a:r>
+              <a:rPr lang="en-GB" sz="1000" dirty="0" err="1" smtClean="0"/>
+              <a:t>Lon,timestamp,Hs,Lat</a:t>
+            </a:r>
+            <a:r>
+              <a:rPr lang="en-GB" sz="1000" dirty="0" smtClean="0"/>
+              <a:t> FROM </a:t>
+            </a:r>
+            <a:r>
+              <a:rPr lang="en-GB" sz="1000" dirty="0" err="1" smtClean="0"/>
+              <a:t>envdata_pevenseybay</a:t>
+            </a:r>
+            <a:r>
+              <a:rPr lang="en-GB" sz="1000" dirty="0" smtClean="0"/>
+              <a:t>)</a:t>
+            </a:r>
+            <a:endParaRPr lang="en-GB" sz="1000" dirty="0"/>
           </a:p>
         </p:txBody>
       </p:sp>
       <p:sp>
         <p:nvSpPr>
-          <p:cNvPr id="22" name="21 Elipse"/>
+          <p:cNvPr id="8" name="7 Rectángulo redondeado"/>
           <p:cNvSpPr/>
           <p:nvPr/>
         </p:nvSpPr>
         <p:spPr>
           <a:xfrm>
-            <a:off x="5286380" y="2214554"/>
-            <a:ext cx="642942" cy="214314"/>
+            <a:off x="2267744" y="2119176"/>
+            <a:ext cx="1008112" cy="792088"/>
           </a:xfrm>
-          <a:prstGeom prst="ellipse">
+          <a:prstGeom prst="roundRect">
             <a:avLst/>
           </a:prstGeom>
-          <a:noFill/>
+          <a:solidFill>
+            <a:schemeClr val="bg1"/>
+          </a:solidFill>
           <a:ln w="12700">
             <a:solidFill>
               <a:schemeClr val="tx1"/>
@@ -36438,14 +36019,14 @@
       </p:sp>
       <p:sp>
         <p:nvSpPr>
-          <p:cNvPr id="23" name="22 CuadroTexto"/>
+          <p:cNvPr id="9" name="8 CuadroTexto"/>
           <p:cNvSpPr txBox="1"/>
           <p:nvPr/>
         </p:nvSpPr>
         <p:spPr>
           <a:xfrm>
-            <a:off x="5286380" y="1928802"/>
-            <a:ext cx="814646" cy="338554"/>
+            <a:off x="2267744" y="2119176"/>
+            <a:ext cx="965329" cy="215444"/>
           </a:xfrm>
           <a:prstGeom prst="rect">
             <a:avLst/>
@@ -36453,30 +36034,56 @@
           <a:noFill/>
         </p:spPr>
         <p:txBody>
-          <a:bodyPr wrap="square" rtlCol="0">
+          <a:bodyPr wrap="none" rtlCol="0">
             <a:spAutoFit/>
           </a:bodyPr>
           <a:lstStyle/>
           <a:p>
-            <a:pPr algn="ctr"/>
             <a:r>
               <a:rPr lang="en-GB" sz="800" dirty="0" err="1" smtClean="0"/>
-              <a:t>hasObservationResult</a:t>
+              <a:t>envdata_rhylflats</a:t>
             </a:r>
             <a:endParaRPr lang="en-GB" sz="800" dirty="0"/>
           </a:p>
         </p:txBody>
       </p:sp>
+      <p:cxnSp>
+        <p:nvCxnSpPr>
+          <p:cNvPr id="10" name="9 Conector recto"/>
+          <p:cNvCxnSpPr/>
+          <p:nvPr/>
+        </p:nvCxnSpPr>
+        <p:spPr bwMode="auto">
+          <a:xfrm>
+            <a:off x="2267744" y="2333492"/>
+            <a:ext cx="1008112" cy="1708"/>
+          </a:xfrm>
+          <a:prstGeom prst="line">
+            <a:avLst/>
+          </a:prstGeom>
+          <a:noFill/>
+          <a:ln w="12700" cap="flat" cmpd="sng" algn="ctr">
+            <a:solidFill>
+              <a:schemeClr val="tx1"/>
+            </a:solidFill>
+            <a:prstDash val="solid"/>
+            <a:round/>
+            <a:headEnd type="none" w="med" len="med"/>
+            <a:tailEnd type="none" w="med" len="med"/>
+          </a:ln>
+          <a:effectLst/>
+        </p:spPr>
+      </p:cxnSp>
       <p:sp>
         <p:nvSpPr>
-          <p:cNvPr id="24" name="23 CuadroTexto"/>
+          <p:cNvPr id="11" name="10 CuadroTexto"/>
           <p:cNvSpPr txBox="1"/>
           <p:nvPr/>
         </p:nvSpPr>
         <p:spPr>
           <a:xfrm>
-            <a:off x="5214942" y="2214554"/>
-            <a:ext cx="814646" cy="215444"/>
+            <a:off x="2267744" y="2335200"/>
+            <a:ext cx="946093" cy="584775"/>
           </a:xfrm>
           <a:prstGeom prst="rect">
             <a:avLst/>
@@ -36484,57 +36091,61 @@
           <a:noFill/>
         </p:spPr>
         <p:txBody>
-          <a:bodyPr wrap="square" rtlCol="0">
+          <a:bodyPr wrap="none" rtlCol="0">
             <a:spAutoFit/>
           </a:bodyPr>
           <a:lstStyle/>
           <a:p>
-            <a:pPr algn="ctr"/>
             <a:r>
               <a:rPr lang="en-GB" sz="800" dirty="0" smtClean="0"/>
-              <a:t>xsd:float</a:t>
+              <a:t>T</a:t>
+            </a:r>
+            <a:r>
+              <a:rPr lang="en-GB" sz="800" dirty="0" smtClean="0"/>
+              <a:t>imestamp: </a:t>
+            </a:r>
+            <a:r>
+              <a:rPr lang="en-GB" sz="800" dirty="0" smtClean="0"/>
+              <a:t>long</a:t>
+            </a:r>
+            <a:endParaRPr lang="en-GB" sz="800" dirty="0" smtClean="0"/>
+          </a:p>
+          <a:p>
+            <a:r>
+              <a:rPr lang="en-GB" sz="800" dirty="0" smtClean="0"/>
+              <a:t>Hs : float</a:t>
+            </a:r>
+            <a:endParaRPr lang="en-GB" sz="800" dirty="0" smtClean="0"/>
+          </a:p>
+          <a:p>
+            <a:r>
+              <a:rPr lang="en-GB" sz="800" dirty="0" smtClean="0"/>
+              <a:t>Lon: </a:t>
+            </a:r>
+            <a:r>
+              <a:rPr lang="en-GB" sz="800" dirty="0" smtClean="0"/>
+              <a:t>float</a:t>
+            </a:r>
+          </a:p>
+          <a:p>
+            <a:r>
+              <a:rPr lang="en-GB" sz="800" dirty="0" smtClean="0"/>
+              <a:t>Lat: float</a:t>
             </a:r>
             <a:endParaRPr lang="en-GB" sz="800" dirty="0"/>
           </a:p>
         </p:txBody>
       </p:sp>
-      <p:cxnSp>
-        <p:nvCxnSpPr>
-          <p:cNvPr id="25" name="24 Conector recto de flecha"/>
-          <p:cNvCxnSpPr/>
-          <p:nvPr/>
-        </p:nvCxnSpPr>
-        <p:spPr bwMode="auto">
-          <a:xfrm rot="16200000" flipH="1">
-            <a:off x="5286380" y="2000240"/>
-            <a:ext cx="285752" cy="142876"/>
-          </a:xfrm>
-          <a:prstGeom prst="straightConnector1">
-            <a:avLst/>
-          </a:prstGeom>
-          <a:noFill/>
-          <a:ln w="9525" cap="flat" cmpd="sng" algn="ctr">
-            <a:solidFill>
-              <a:schemeClr val="tx1"/>
-            </a:solidFill>
-            <a:prstDash val="dash"/>
-            <a:round/>
-            <a:headEnd type="none" w="med" len="med"/>
-            <a:tailEnd type="arrow"/>
-          </a:ln>
-          <a:effectLst/>
-        </p:spPr>
-      </p:cxnSp>
       <p:sp>
         <p:nvSpPr>
-          <p:cNvPr id="26" name="25 CuadroTexto"/>
+          <p:cNvPr id="13" name="12 CuadroTexto"/>
           <p:cNvSpPr txBox="1"/>
           <p:nvPr/>
         </p:nvSpPr>
         <p:spPr>
           <a:xfrm>
-            <a:off x="5929322" y="1643050"/>
-            <a:ext cx="814646" cy="338554"/>
+            <a:off x="2339752" y="1903152"/>
+            <a:ext cx="1080120" cy="215444"/>
           </a:xfrm>
           <a:prstGeom prst="rect">
             <a:avLst/>
@@ -36550,7 +36161,11 @@
             <a:pPr algn="ctr"/>
             <a:r>
               <a:rPr lang="en-GB" sz="800" dirty="0" err="1" smtClean="0"/>
-              <a:t>locatedInRegion</a:t>
+              <a:t>e</a:t>
+            </a:r>
+            <a:r>
+              <a:rPr lang="en-GB" sz="800" dirty="0" err="1" smtClean="0"/>
+              <a:t>nvdata_hornsea</a:t>
             </a:r>
             <a:endParaRPr lang="en-GB" sz="800" dirty="0"/>
           </a:p>
@@ -36558,29 +36173,27 @@
       </p:sp>
       <p:sp>
         <p:nvSpPr>
-          <p:cNvPr id="27" name="26 Flecha izquierda y derecha"/>
+          <p:cNvPr id="16" name="15 Elipse"/>
           <p:cNvSpPr/>
           <p:nvPr/>
         </p:nvSpPr>
         <p:spPr>
           <a:xfrm>
-            <a:off x="2071670" y="2357430"/>
-            <a:ext cx="385762" cy="223854"/>
+            <a:off x="5076626" y="1629370"/>
+            <a:ext cx="928694" cy="357190"/>
           </a:xfrm>
-          <a:prstGeom prst="leftRightArrow">
+          <a:prstGeom prst="ellipse">
             <a:avLst/>
           </a:prstGeom>
           <a:solidFill>
-            <a:schemeClr val="bg1">
-              <a:lumMod val="65000"/>
+            <a:schemeClr val="accent4">
+              <a:lumMod val="20000"/>
+              <a:lumOff val="80000"/>
             </a:schemeClr>
           </a:solidFill>
-          <a:ln>
+          <a:ln w="12700">
             <a:solidFill>
-              <a:schemeClr val="tx1">
-                <a:lumMod val="65000"/>
-                <a:lumOff val="35000"/>
-              </a:schemeClr>
+              <a:schemeClr val="tx1"/>
             </a:solidFill>
           </a:ln>
         </p:spPr>
@@ -36611,29 +36224,58 @@
       </p:sp>
       <p:sp>
         <p:nvSpPr>
-          <p:cNvPr id="28" name="27 Flecha izquierda y derecha"/>
+          <p:cNvPr id="17" name="16 CuadroTexto"/>
+          <p:cNvSpPr txBox="1"/>
+          <p:nvPr/>
+        </p:nvSpPr>
+        <p:spPr>
+          <a:xfrm>
+            <a:off x="5148064" y="1700808"/>
+            <a:ext cx="814646" cy="215444"/>
+          </a:xfrm>
+          <a:prstGeom prst="rect">
+            <a:avLst/>
+          </a:prstGeom>
+          <a:noFill/>
+        </p:spPr>
+        <p:txBody>
+          <a:bodyPr wrap="square" rtlCol="0">
+            <a:spAutoFit/>
+          </a:bodyPr>
+          <a:lstStyle/>
+          <a:p>
+            <a:pPr algn="ctr"/>
+            <a:r>
+              <a:rPr lang="en-GB" sz="800" dirty="0" smtClean="0"/>
+              <a:t>Observation</a:t>
+            </a:r>
+            <a:endParaRPr lang="en-GB" sz="800" dirty="0"/>
+          </a:p>
+        </p:txBody>
+      </p:sp>
+      <p:sp>
+        <p:nvSpPr>
+          <p:cNvPr id="18" name="17 Elipse"/>
           <p:cNvSpPr/>
           <p:nvPr/>
         </p:nvSpPr>
         <p:spPr>
           <a:xfrm>
-            <a:off x="3857620" y="2357430"/>
-            <a:ext cx="385762" cy="223854"/>
+            <a:off x="5076056" y="2486626"/>
+            <a:ext cx="936104" cy="280622"/>
           </a:xfrm>
-          <a:prstGeom prst="leftRightArrow">
+          <a:prstGeom prst="ellipse">
             <a:avLst/>
           </a:prstGeom>
           <a:solidFill>
-            <a:schemeClr val="bg1">
-              <a:lumMod val="65000"/>
+            <a:schemeClr val="accent4">
+              <a:lumMod val="20000"/>
+              <a:lumOff val="80000"/>
             </a:schemeClr>
           </a:solidFill>
-          <a:ln>
+          <a:ln w="12700">
             <a:solidFill>
-              <a:schemeClr val="tx1">
-                <a:lumMod val="65000"/>
-                <a:lumOff val="35000"/>
-              </a:schemeClr>
+              <a:schemeClr val="tx1"/>
             </a:solidFill>
           </a:ln>
         </p:spPr>
@@ -36664,14 +36306,14 @@
       </p:sp>
       <p:sp>
         <p:nvSpPr>
-          <p:cNvPr id="29" name="28 CuadroTexto"/>
+          <p:cNvPr id="19" name="18 CuadroTexto"/>
           <p:cNvSpPr txBox="1"/>
           <p:nvPr/>
         </p:nvSpPr>
         <p:spPr>
           <a:xfrm>
-            <a:off x="4500562" y="3214686"/>
-            <a:ext cx="1143008" cy="246221"/>
+            <a:off x="5148064" y="2479216"/>
+            <a:ext cx="792088" cy="338554"/>
           </a:xfrm>
           <a:prstGeom prst="rect">
             <a:avLst/>
@@ -36686,93 +36328,26 @@
           <a:p>
             <a:pPr algn="ctr"/>
             <a:r>
-              <a:rPr lang="en-GB" sz="1000" dirty="0" smtClean="0"/>
-              <a:t>Ontologies</a:t>
-            </a:r>
-            <a:endParaRPr lang="en-GB" sz="1000" dirty="0"/>
-          </a:p>
-        </p:txBody>
-      </p:sp>
-      <p:sp>
-        <p:nvSpPr>
-          <p:cNvPr id="30" name="29 CuadroTexto"/>
-          <p:cNvSpPr txBox="1"/>
-          <p:nvPr/>
-        </p:nvSpPr>
-        <p:spPr>
-          <a:xfrm>
-            <a:off x="1214414" y="3214686"/>
-            <a:ext cx="814646" cy="246221"/>
-          </a:xfrm>
-          <a:prstGeom prst="rect">
-            <a:avLst/>
-          </a:prstGeom>
-          <a:noFill/>
-        </p:spPr>
-        <p:txBody>
-          <a:bodyPr wrap="square" rtlCol="0">
-            <a:spAutoFit/>
-          </a:bodyPr>
-          <a:lstStyle/>
-          <a:p>
-            <a:pPr algn="ctr"/>
-            <a:r>
-              <a:rPr lang="en-GB" sz="1000" dirty="0" smtClean="0"/>
-              <a:t>Streams</a:t>
-            </a:r>
-            <a:endParaRPr lang="en-GB" sz="1000" dirty="0"/>
-          </a:p>
-        </p:txBody>
-      </p:sp>
-      <p:sp>
-        <p:nvSpPr>
-          <p:cNvPr id="31" name="30 CuadroTexto"/>
-          <p:cNvSpPr txBox="1"/>
-          <p:nvPr/>
-        </p:nvSpPr>
-        <p:spPr>
-          <a:xfrm>
-            <a:off x="2643174" y="3214686"/>
-            <a:ext cx="1143008" cy="246221"/>
-          </a:xfrm>
-          <a:prstGeom prst="rect">
-            <a:avLst/>
-          </a:prstGeom>
-          <a:noFill/>
-        </p:spPr>
-        <p:txBody>
-          <a:bodyPr wrap="square" rtlCol="0">
-            <a:spAutoFit/>
-          </a:bodyPr>
-          <a:lstStyle/>
-          <a:p>
-            <a:pPr algn="ctr"/>
-            <a:r>
-              <a:rPr lang="en-GB" sz="1000" dirty="0" smtClean="0"/>
-              <a:t>S</a:t>
-            </a:r>
-            <a:r>
-              <a:rPr lang="en-GB" sz="1000" baseline="-25000" dirty="0" smtClean="0"/>
-              <a:t>2</a:t>
-            </a:r>
-            <a:r>
-              <a:rPr lang="en-GB" sz="1000" dirty="0" smtClean="0"/>
-              <a:t>O Mapping</a:t>
-            </a:r>
-            <a:endParaRPr lang="en-GB" sz="1000" dirty="0"/>
+              <a:rPr lang="en-GB" sz="800" dirty="0" err="1" smtClean="0"/>
+              <a:t>WaveHeightProperty</a:t>
+            </a:r>
+            <a:endParaRPr lang="en-GB" sz="800" dirty="0"/>
           </a:p>
         </p:txBody>
       </p:sp>
       <p:cxnSp>
         <p:nvCxnSpPr>
-          <p:cNvPr id="32" name="31 Conector recto de flecha"/>
-          <p:cNvCxnSpPr/>
+          <p:cNvPr id="20" name="19 Conector recto de flecha"/>
+          <p:cNvCxnSpPr>
+            <a:stCxn id="16" idx="4"/>
+            <a:endCxn id="18" idx="0"/>
+          </p:cNvCxnSpPr>
           <p:nvPr/>
         </p:nvCxnSpPr>
         <p:spPr bwMode="auto">
-          <a:xfrm flipV="1">
-            <a:off x="5143506" y="1571612"/>
-            <a:ext cx="571502" cy="71440"/>
+          <a:xfrm rot="16200000" flipH="1">
+            <a:off x="5292507" y="2235025"/>
+            <a:ext cx="500066" cy="3135"/>
           </a:xfrm>
           <a:prstGeom prst="straightConnector1">
             <a:avLst/>
@@ -36792,14 +36367,14 @@
       </p:cxnSp>
       <p:sp>
         <p:nvSpPr>
-          <p:cNvPr id="33" name="32 CuadroTexto"/>
+          <p:cNvPr id="21" name="20 CuadroTexto"/>
           <p:cNvSpPr txBox="1"/>
           <p:nvPr/>
         </p:nvSpPr>
         <p:spPr>
           <a:xfrm>
-            <a:off x="5643570" y="1428736"/>
-            <a:ext cx="857256" cy="215444"/>
+            <a:off x="4860032" y="2047168"/>
+            <a:ext cx="645222" cy="338554"/>
           </a:xfrm>
           <a:prstGeom prst="rect">
             <a:avLst/>
@@ -36814,8 +36389,8 @@
           <a:p>
             <a:pPr algn="ctr"/>
             <a:r>
-              <a:rPr lang="en-GB" sz="800" dirty="0" smtClean="0"/>
-              <a:t>Feature</a:t>
+              <a:rPr lang="en-GB" sz="800" dirty="0" err="1" smtClean="0"/>
+              <a:t>observedProperty</a:t>
             </a:r>
             <a:endParaRPr lang="en-GB" sz="800" dirty="0"/>
           </a:p>
@@ -36823,19 +36398,24 @@
       </p:sp>
       <p:sp>
         <p:nvSpPr>
-          <p:cNvPr id="34" name="33 Elipse"/>
+          <p:cNvPr id="22" name="21 Elipse"/>
           <p:cNvSpPr/>
           <p:nvPr/>
         </p:nvSpPr>
         <p:spPr>
           <a:xfrm>
-            <a:off x="5715008" y="1428736"/>
+            <a:off x="5862444" y="2200874"/>
             <a:ext cx="642942" cy="214314"/>
           </a:xfrm>
           <a:prstGeom prst="ellipse">
             <a:avLst/>
           </a:prstGeom>
-          <a:noFill/>
+          <a:solidFill>
+            <a:schemeClr val="accent4">
+              <a:lumMod val="20000"/>
+              <a:lumOff val="80000"/>
+            </a:schemeClr>
+          </a:solidFill>
           <a:ln w="12700">
             <a:solidFill>
               <a:schemeClr val="tx1"/>
@@ -36867,16 +36447,278 @@
           </a:p>
         </p:txBody>
       </p:sp>
+      <p:sp>
+        <p:nvSpPr>
+          <p:cNvPr id="23" name="22 CuadroTexto"/>
+          <p:cNvSpPr txBox="1"/>
+          <p:nvPr/>
+        </p:nvSpPr>
+        <p:spPr>
+          <a:xfrm>
+            <a:off x="5868144" y="1831144"/>
+            <a:ext cx="941804" cy="338554"/>
+          </a:xfrm>
+          <a:prstGeom prst="rect">
+            <a:avLst/>
+          </a:prstGeom>
+          <a:noFill/>
+        </p:spPr>
+        <p:txBody>
+          <a:bodyPr wrap="square" rtlCol="0">
+            <a:spAutoFit/>
+          </a:bodyPr>
+          <a:lstStyle/>
+          <a:p>
+            <a:pPr algn="ctr"/>
+            <a:r>
+              <a:rPr lang="en-GB" sz="800" dirty="0" err="1" smtClean="0"/>
+              <a:t>hasObservationResult</a:t>
+            </a:r>
+            <a:endParaRPr lang="en-GB" sz="800" dirty="0"/>
+          </a:p>
+        </p:txBody>
+      </p:sp>
+      <p:sp>
+        <p:nvSpPr>
+          <p:cNvPr id="24" name="23 CuadroTexto"/>
+          <p:cNvSpPr txBox="1"/>
+          <p:nvPr/>
+        </p:nvSpPr>
+        <p:spPr>
+          <a:xfrm>
+            <a:off x="5791006" y="2200874"/>
+            <a:ext cx="814646" cy="215444"/>
+          </a:xfrm>
+          <a:prstGeom prst="rect">
+            <a:avLst/>
+          </a:prstGeom>
+          <a:noFill/>
+        </p:spPr>
+        <p:txBody>
+          <a:bodyPr wrap="square" rtlCol="0">
+            <a:spAutoFit/>
+          </a:bodyPr>
+          <a:lstStyle/>
+          <a:p>
+            <a:pPr algn="ctr"/>
+            <a:r>
+              <a:rPr lang="en-GB" sz="800" dirty="0" smtClean="0"/>
+              <a:t>xsd:float</a:t>
+            </a:r>
+            <a:endParaRPr lang="en-GB" sz="800" dirty="0"/>
+          </a:p>
+        </p:txBody>
+      </p:sp>
       <p:cxnSp>
         <p:nvCxnSpPr>
-          <p:cNvPr id="35" name="34 Conector recto de flecha"/>
+          <p:cNvPr id="25" name="24 Conector recto de flecha"/>
           <p:cNvCxnSpPr/>
           <p:nvPr/>
         </p:nvCxnSpPr>
         <p:spPr bwMode="auto">
           <a:xfrm rot="16200000" flipH="1">
-            <a:off x="5929322" y="1785926"/>
-            <a:ext cx="500066" cy="214314"/>
+            <a:off x="5862444" y="1986560"/>
+            <a:ext cx="285752" cy="142876"/>
+          </a:xfrm>
+          <a:prstGeom prst="straightConnector1">
+            <a:avLst/>
+          </a:prstGeom>
+          <a:noFill/>
+          <a:ln w="9525" cap="flat" cmpd="sng" algn="ctr">
+            <a:solidFill>
+              <a:schemeClr val="tx1"/>
+            </a:solidFill>
+            <a:prstDash val="dash"/>
+            <a:round/>
+            <a:headEnd type="none" w="med" len="med"/>
+            <a:tailEnd type="arrow"/>
+          </a:ln>
+          <a:effectLst/>
+        </p:spPr>
+      </p:cxnSp>
+      <p:sp>
+        <p:nvSpPr>
+          <p:cNvPr id="26" name="25 CuadroTexto"/>
+          <p:cNvSpPr txBox="1"/>
+          <p:nvPr/>
+        </p:nvSpPr>
+        <p:spPr>
+          <a:xfrm>
+            <a:off x="6660232" y="1615120"/>
+            <a:ext cx="658902" cy="338554"/>
+          </a:xfrm>
+          <a:prstGeom prst="rect">
+            <a:avLst/>
+          </a:prstGeom>
+          <a:noFill/>
+        </p:spPr>
+        <p:txBody>
+          <a:bodyPr wrap="square" rtlCol="0">
+            <a:spAutoFit/>
+          </a:bodyPr>
+          <a:lstStyle/>
+          <a:p>
+            <a:pPr algn="ctr"/>
+            <a:r>
+              <a:rPr lang="en-GB" sz="800" dirty="0" err="1" smtClean="0"/>
+              <a:t>locatedInRegion</a:t>
+            </a:r>
+            <a:endParaRPr lang="en-GB" sz="800" dirty="0"/>
+          </a:p>
+        </p:txBody>
+      </p:sp>
+      <p:sp>
+        <p:nvSpPr>
+          <p:cNvPr id="29" name="28 CuadroTexto"/>
+          <p:cNvSpPr txBox="1"/>
+          <p:nvPr/>
+        </p:nvSpPr>
+        <p:spPr>
+          <a:xfrm>
+            <a:off x="7164288" y="1988840"/>
+            <a:ext cx="1584176" cy="369332"/>
+          </a:xfrm>
+          <a:prstGeom prst="rect">
+            <a:avLst/>
+          </a:prstGeom>
+          <a:noFill/>
+        </p:spPr>
+        <p:txBody>
+          <a:bodyPr wrap="square" rtlCol="0">
+            <a:spAutoFit/>
+          </a:bodyPr>
+          <a:lstStyle/>
+          <a:p>
+            <a:pPr algn="ctr"/>
+            <a:r>
+              <a:rPr lang="en-GB" sz="1800" dirty="0" smtClean="0"/>
+              <a:t>Ontologies</a:t>
+            </a:r>
+            <a:endParaRPr lang="en-GB" sz="1800" dirty="0"/>
+          </a:p>
+        </p:txBody>
+      </p:sp>
+      <p:sp>
+        <p:nvSpPr>
+          <p:cNvPr id="30" name="29 CuadroTexto"/>
+          <p:cNvSpPr txBox="1"/>
+          <p:nvPr/>
+        </p:nvSpPr>
+        <p:spPr>
+          <a:xfrm>
+            <a:off x="827584" y="1916832"/>
+            <a:ext cx="1390710" cy="369332"/>
+          </a:xfrm>
+          <a:prstGeom prst="rect">
+            <a:avLst/>
+          </a:prstGeom>
+          <a:noFill/>
+        </p:spPr>
+        <p:txBody>
+          <a:bodyPr wrap="square" rtlCol="0">
+            <a:spAutoFit/>
+          </a:bodyPr>
+          <a:lstStyle/>
+          <a:p>
+            <a:pPr algn="ctr"/>
+            <a:r>
+              <a:rPr lang="en-GB" sz="1800" dirty="0" smtClean="0"/>
+              <a:t>Streams</a:t>
+            </a:r>
+            <a:endParaRPr lang="en-GB" sz="1800" dirty="0"/>
+          </a:p>
+        </p:txBody>
+      </p:sp>
+      <p:sp>
+        <p:nvSpPr>
+          <p:cNvPr id="31" name="30 CuadroTexto"/>
+          <p:cNvSpPr txBox="1"/>
+          <p:nvPr/>
+        </p:nvSpPr>
+        <p:spPr>
+          <a:xfrm>
+            <a:off x="3851920" y="1831144"/>
+            <a:ext cx="792088" cy="400110"/>
+          </a:xfrm>
+          <a:prstGeom prst="rect">
+            <a:avLst/>
+          </a:prstGeom>
+          <a:solidFill>
+            <a:schemeClr val="accent1">
+              <a:lumMod val="75000"/>
+            </a:schemeClr>
+          </a:solidFill>
+          <a:ln w="19050">
+            <a:solidFill>
+              <a:schemeClr val="tx1"/>
+            </a:solidFill>
+          </a:ln>
+        </p:spPr>
+        <p:txBody>
+          <a:bodyPr wrap="square" rtlCol="0">
+            <a:spAutoFit/>
+          </a:bodyPr>
+          <a:lstStyle/>
+          <a:p>
+            <a:pPr algn="ctr"/>
+            <a:r>
+              <a:rPr lang="en-GB" sz="1000" dirty="0" smtClean="0">
+                <a:solidFill>
+                  <a:schemeClr val="bg1"/>
+                </a:solidFill>
+              </a:rPr>
+              <a:t>S</a:t>
+            </a:r>
+            <a:r>
+              <a:rPr lang="en-GB" sz="1000" baseline="-25000" dirty="0" smtClean="0">
+                <a:solidFill>
+                  <a:schemeClr val="bg1"/>
+                </a:solidFill>
+              </a:rPr>
+              <a:t>2</a:t>
+            </a:r>
+            <a:r>
+              <a:rPr lang="en-GB" sz="1000" dirty="0" smtClean="0">
+                <a:solidFill>
+                  <a:schemeClr val="bg1"/>
+                </a:solidFill>
+              </a:rPr>
+              <a:t>O </a:t>
+            </a:r>
+            <a:endParaRPr lang="en-GB" sz="1000" dirty="0" smtClean="0">
+              <a:solidFill>
+                <a:schemeClr val="bg1"/>
+              </a:solidFill>
+            </a:endParaRPr>
+          </a:p>
+          <a:p>
+            <a:pPr algn="ctr"/>
+            <a:r>
+              <a:rPr lang="en-GB" sz="1000" dirty="0" smtClean="0">
+                <a:solidFill>
+                  <a:schemeClr val="bg1"/>
+                </a:solidFill>
+              </a:rPr>
+              <a:t>Mapping</a:t>
+            </a:r>
+            <a:endParaRPr lang="en-GB" sz="1000" dirty="0">
+              <a:solidFill>
+                <a:schemeClr val="bg1"/>
+              </a:solidFill>
+            </a:endParaRPr>
+          </a:p>
+        </p:txBody>
+      </p:sp>
+      <p:cxnSp>
+        <p:nvCxnSpPr>
+          <p:cNvPr id="32" name="31 Conector recto de flecha"/>
+          <p:cNvCxnSpPr/>
+          <p:nvPr/>
+        </p:nvCxnSpPr>
+        <p:spPr bwMode="auto">
+          <a:xfrm flipV="1">
+            <a:off x="5719570" y="1557932"/>
+            <a:ext cx="571502" cy="71440"/>
           </a:xfrm>
           <a:prstGeom prst="straightConnector1">
             <a:avLst/>
@@ -36896,19 +36738,24 @@
       </p:cxnSp>
       <p:sp>
         <p:nvSpPr>
-          <p:cNvPr id="36" name="35 Elipse"/>
+          <p:cNvPr id="34" name="33 Elipse"/>
           <p:cNvSpPr/>
           <p:nvPr/>
         </p:nvSpPr>
         <p:spPr>
           <a:xfrm>
-            <a:off x="6072198" y="2143116"/>
+            <a:off x="6300192" y="1399096"/>
             <a:ext cx="642942" cy="214314"/>
           </a:xfrm>
           <a:prstGeom prst="ellipse">
             <a:avLst/>
           </a:prstGeom>
-          <a:noFill/>
+          <a:solidFill>
+            <a:schemeClr val="accent4">
+              <a:lumMod val="20000"/>
+              <a:lumOff val="80000"/>
+            </a:schemeClr>
+          </a:solidFill>
           <a:ln w="12700">
             <a:solidFill>
               <a:schemeClr val="tx1"/>
@@ -36940,11 +36787,590 @@
           </a:p>
         </p:txBody>
       </p:sp>
+      <p:cxnSp>
+        <p:nvCxnSpPr>
+          <p:cNvPr id="35" name="34 Conector recto de flecha"/>
+          <p:cNvCxnSpPr/>
+          <p:nvPr/>
+        </p:nvCxnSpPr>
+        <p:spPr bwMode="auto">
+          <a:xfrm rot="16200000" flipH="1">
+            <a:off x="6505386" y="1772246"/>
+            <a:ext cx="500066" cy="214314"/>
+          </a:xfrm>
+          <a:prstGeom prst="straightConnector1">
+            <a:avLst/>
+          </a:prstGeom>
+          <a:noFill/>
+          <a:ln w="9525" cap="flat" cmpd="sng" algn="ctr">
+            <a:solidFill>
+              <a:schemeClr val="tx1"/>
+            </a:solidFill>
+            <a:prstDash val="solid"/>
+            <a:round/>
+            <a:headEnd type="none" w="med" len="med"/>
+            <a:tailEnd type="arrow"/>
+          </a:ln>
+          <a:effectLst/>
+        </p:spPr>
+      </p:cxnSp>
+      <p:sp>
+        <p:nvSpPr>
+          <p:cNvPr id="36" name="35 Elipse"/>
+          <p:cNvSpPr/>
+          <p:nvPr/>
+        </p:nvSpPr>
+        <p:spPr>
+          <a:xfrm>
+            <a:off x="6648262" y="2129436"/>
+            <a:ext cx="642942" cy="214314"/>
+          </a:xfrm>
+          <a:prstGeom prst="ellipse">
+            <a:avLst/>
+          </a:prstGeom>
+          <a:solidFill>
+            <a:schemeClr val="accent4">
+              <a:lumMod val="20000"/>
+              <a:lumOff val="80000"/>
+            </a:schemeClr>
+          </a:solidFill>
+          <a:ln w="12700">
+            <a:solidFill>
+              <a:schemeClr val="tx1"/>
+            </a:solidFill>
+          </a:ln>
+        </p:spPr>
+        <p:style>
+          <a:lnRef idx="2">
+            <a:schemeClr val="accent1">
+              <a:shade val="50000"/>
+            </a:schemeClr>
+          </a:lnRef>
+          <a:fillRef idx="1">
+            <a:schemeClr val="accent1"/>
+          </a:fillRef>
+          <a:effectRef idx="0">
+            <a:schemeClr val="accent1"/>
+          </a:effectRef>
+          <a:fontRef idx="minor">
+            <a:schemeClr val="lt1"/>
+          </a:fontRef>
+        </p:style>
+        <p:txBody>
+          <a:bodyPr rtlCol="0" anchor="ctr"/>
+          <a:lstStyle/>
+          <a:p>
+            <a:pPr algn="ctr"/>
+            <a:endParaRPr lang="en-GB"/>
+          </a:p>
+        </p:txBody>
+      </p:sp>
+      <p:sp>
+        <p:nvSpPr>
+          <p:cNvPr id="41" name="12 CuadroTexto"/>
+          <p:cNvSpPr txBox="1"/>
+          <p:nvPr/>
+        </p:nvSpPr>
+        <p:spPr>
+          <a:xfrm>
+            <a:off x="2411760" y="1687128"/>
+            <a:ext cx="1080120" cy="215444"/>
+          </a:xfrm>
+          <a:prstGeom prst="rect">
+            <a:avLst/>
+          </a:prstGeom>
+          <a:noFill/>
+        </p:spPr>
+        <p:txBody>
+          <a:bodyPr wrap="square" rtlCol="0">
+            <a:spAutoFit/>
+          </a:bodyPr>
+          <a:lstStyle/>
+          <a:p>
+            <a:pPr algn="ctr"/>
+            <a:r>
+              <a:rPr lang="en-GB" sz="800" dirty="0" err="1" smtClean="0"/>
+              <a:t>e</a:t>
+            </a:r>
+            <a:r>
+              <a:rPr lang="en-GB" sz="800" dirty="0" err="1" smtClean="0"/>
+              <a:t>nvdata_milford</a:t>
+            </a:r>
+            <a:endParaRPr lang="en-GB" sz="800" dirty="0"/>
+          </a:p>
+        </p:txBody>
+      </p:sp>
+      <p:sp>
+        <p:nvSpPr>
+          <p:cNvPr id="42" name="12 CuadroTexto"/>
+          <p:cNvSpPr txBox="1"/>
+          <p:nvPr/>
+        </p:nvSpPr>
+        <p:spPr>
+          <a:xfrm>
+            <a:off x="2411760" y="1471104"/>
+            <a:ext cx="1080120" cy="215444"/>
+          </a:xfrm>
+          <a:prstGeom prst="rect">
+            <a:avLst/>
+          </a:prstGeom>
+          <a:noFill/>
+        </p:spPr>
+        <p:txBody>
+          <a:bodyPr wrap="square" rtlCol="0">
+            <a:spAutoFit/>
+          </a:bodyPr>
+          <a:lstStyle/>
+          <a:p>
+            <a:pPr algn="ctr"/>
+            <a:r>
+              <a:rPr lang="en-GB" sz="800" dirty="0" err="1" smtClean="0"/>
+              <a:t>e</a:t>
+            </a:r>
+            <a:r>
+              <a:rPr lang="en-GB" sz="800" dirty="0" err="1" smtClean="0"/>
+              <a:t>nvdata_chesil</a:t>
+            </a:r>
+            <a:endParaRPr lang="en-GB" sz="800" dirty="0"/>
+          </a:p>
+        </p:txBody>
+      </p:sp>
+      <p:sp>
+        <p:nvSpPr>
+          <p:cNvPr id="43" name="12 CuadroTexto"/>
+          <p:cNvSpPr txBox="1"/>
+          <p:nvPr/>
+        </p:nvSpPr>
+        <p:spPr>
+          <a:xfrm>
+            <a:off x="2555776" y="1255080"/>
+            <a:ext cx="1080120" cy="215444"/>
+          </a:xfrm>
+          <a:prstGeom prst="rect">
+            <a:avLst/>
+          </a:prstGeom>
+          <a:noFill/>
+        </p:spPr>
+        <p:txBody>
+          <a:bodyPr wrap="square" rtlCol="0">
+            <a:spAutoFit/>
+          </a:bodyPr>
+          <a:lstStyle/>
+          <a:p>
+            <a:pPr algn="ctr"/>
+            <a:r>
+              <a:rPr lang="en-GB" sz="800" dirty="0" err="1" smtClean="0"/>
+              <a:t>e</a:t>
+            </a:r>
+            <a:r>
+              <a:rPr lang="en-GB" sz="800" dirty="0" err="1" smtClean="0"/>
+              <a:t>nvdata_westbay</a:t>
+            </a:r>
+            <a:endParaRPr lang="en-GB" sz="800" dirty="0"/>
+          </a:p>
+        </p:txBody>
+      </p:sp>
+      <p:cxnSp>
+        <p:nvCxnSpPr>
+          <p:cNvPr id="44" name="9 Conector recto"/>
+          <p:cNvCxnSpPr/>
+          <p:nvPr/>
+        </p:nvCxnSpPr>
+        <p:spPr bwMode="auto">
+          <a:xfrm>
+            <a:off x="2339752" y="2119176"/>
+            <a:ext cx="1008112" cy="1708"/>
+          </a:xfrm>
+          <a:prstGeom prst="line">
+            <a:avLst/>
+          </a:prstGeom>
+          <a:noFill/>
+          <a:ln w="12700" cap="flat" cmpd="sng" algn="ctr">
+            <a:solidFill>
+              <a:schemeClr val="tx1"/>
+            </a:solidFill>
+            <a:prstDash val="solid"/>
+            <a:round/>
+            <a:headEnd type="none" w="med" len="med"/>
+            <a:tailEnd type="none" w="med" len="med"/>
+          </a:ln>
+          <a:effectLst/>
+        </p:spPr>
+      </p:cxnSp>
+      <p:cxnSp>
+        <p:nvCxnSpPr>
+          <p:cNvPr id="45" name="9 Conector recto"/>
+          <p:cNvCxnSpPr/>
+          <p:nvPr/>
+        </p:nvCxnSpPr>
+        <p:spPr bwMode="auto">
+          <a:xfrm>
+            <a:off x="2411760" y="1903152"/>
+            <a:ext cx="1008112" cy="1708"/>
+          </a:xfrm>
+          <a:prstGeom prst="line">
+            <a:avLst/>
+          </a:prstGeom>
+          <a:noFill/>
+          <a:ln w="12700" cap="flat" cmpd="sng" algn="ctr">
+            <a:solidFill>
+              <a:schemeClr val="tx1"/>
+            </a:solidFill>
+            <a:prstDash val="solid"/>
+            <a:round/>
+            <a:headEnd type="none" w="med" len="med"/>
+            <a:tailEnd type="none" w="med" len="med"/>
+          </a:ln>
+          <a:effectLst/>
+        </p:spPr>
+      </p:cxnSp>
+      <p:cxnSp>
+        <p:nvCxnSpPr>
+          <p:cNvPr id="46" name="9 Conector recto"/>
+          <p:cNvCxnSpPr/>
+          <p:nvPr/>
+        </p:nvCxnSpPr>
+        <p:spPr bwMode="auto">
+          <a:xfrm>
+            <a:off x="2483768" y="1687128"/>
+            <a:ext cx="1008112" cy="1708"/>
+          </a:xfrm>
+          <a:prstGeom prst="line">
+            <a:avLst/>
+          </a:prstGeom>
+          <a:noFill/>
+          <a:ln w="12700" cap="flat" cmpd="sng" algn="ctr">
+            <a:solidFill>
+              <a:schemeClr val="tx1"/>
+            </a:solidFill>
+            <a:prstDash val="solid"/>
+            <a:round/>
+            <a:headEnd type="none" w="med" len="med"/>
+            <a:tailEnd type="none" w="med" len="med"/>
+          </a:ln>
+          <a:effectLst/>
+        </p:spPr>
+      </p:cxnSp>
+      <p:cxnSp>
+        <p:nvCxnSpPr>
+          <p:cNvPr id="47" name="9 Conector recto"/>
+          <p:cNvCxnSpPr/>
+          <p:nvPr/>
+        </p:nvCxnSpPr>
+        <p:spPr bwMode="auto">
+          <a:xfrm>
+            <a:off x="2555776" y="1471104"/>
+            <a:ext cx="1008112" cy="1708"/>
+          </a:xfrm>
+          <a:prstGeom prst="line">
+            <a:avLst/>
+          </a:prstGeom>
+          <a:noFill/>
+          <a:ln w="12700" cap="flat" cmpd="sng" algn="ctr">
+            <a:solidFill>
+              <a:schemeClr val="tx1"/>
+            </a:solidFill>
+            <a:prstDash val="solid"/>
+            <a:round/>
+            <a:headEnd type="none" w="med" len="med"/>
+            <a:tailEnd type="none" w="med" len="med"/>
+          </a:ln>
+          <a:effectLst/>
+        </p:spPr>
+      </p:cxnSp>
+      <p:sp>
+        <p:nvSpPr>
+          <p:cNvPr id="48" name="25 CuadroTexto"/>
+          <p:cNvSpPr txBox="1"/>
+          <p:nvPr/>
+        </p:nvSpPr>
+        <p:spPr>
+          <a:xfrm>
+            <a:off x="6660232" y="2119176"/>
+            <a:ext cx="658902" cy="215444"/>
+          </a:xfrm>
+          <a:prstGeom prst="rect">
+            <a:avLst/>
+          </a:prstGeom>
+          <a:noFill/>
+        </p:spPr>
+        <p:txBody>
+          <a:bodyPr wrap="square" rtlCol="0">
+            <a:spAutoFit/>
+          </a:bodyPr>
+          <a:lstStyle/>
+          <a:p>
+            <a:pPr algn="ctr"/>
+            <a:r>
+              <a:rPr lang="en-GB" sz="800" dirty="0" smtClean="0"/>
+              <a:t>Region</a:t>
+            </a:r>
+            <a:endParaRPr lang="en-GB" sz="800" dirty="0"/>
+          </a:p>
+        </p:txBody>
+      </p:sp>
+      <p:sp>
+        <p:nvSpPr>
+          <p:cNvPr id="28" name="27 Flecha izquierda y derecha"/>
+          <p:cNvSpPr/>
+          <p:nvPr/>
+        </p:nvSpPr>
+        <p:spPr>
+          <a:xfrm>
+            <a:off x="4572000" y="1975160"/>
+            <a:ext cx="385762" cy="223854"/>
+          </a:xfrm>
+          <a:prstGeom prst="leftRightArrow">
+            <a:avLst/>
+          </a:prstGeom>
+          <a:solidFill>
+            <a:schemeClr val="accent2">
+              <a:lumMod val="60000"/>
+              <a:lumOff val="40000"/>
+            </a:schemeClr>
+          </a:solidFill>
+          <a:ln>
+            <a:solidFill>
+              <a:srgbClr val="C00000"/>
+            </a:solidFill>
+          </a:ln>
+        </p:spPr>
+        <p:style>
+          <a:lnRef idx="2">
+            <a:schemeClr val="accent1">
+              <a:shade val="50000"/>
+            </a:schemeClr>
+          </a:lnRef>
+          <a:fillRef idx="1">
+            <a:schemeClr val="accent1"/>
+          </a:fillRef>
+          <a:effectRef idx="0">
+            <a:schemeClr val="accent1"/>
+          </a:effectRef>
+          <a:fontRef idx="minor">
+            <a:schemeClr val="lt1"/>
+          </a:fontRef>
+        </p:style>
+        <p:txBody>
+          <a:bodyPr rtlCol="0" anchor="ctr"/>
+          <a:lstStyle/>
+          <a:p>
+            <a:pPr algn="ctr"/>
+            <a:endParaRPr lang="en-GB"/>
+          </a:p>
+        </p:txBody>
+      </p:sp>
+      <p:sp>
+        <p:nvSpPr>
+          <p:cNvPr id="27" name="26 Flecha izquierda y derecha"/>
+          <p:cNvSpPr/>
+          <p:nvPr/>
+        </p:nvSpPr>
+        <p:spPr>
+          <a:xfrm>
+            <a:off x="3491880" y="1975160"/>
+            <a:ext cx="385762" cy="223854"/>
+          </a:xfrm>
+          <a:prstGeom prst="leftRightArrow">
+            <a:avLst/>
+          </a:prstGeom>
+          <a:solidFill>
+            <a:schemeClr val="accent2">
+              <a:lumMod val="60000"/>
+              <a:lumOff val="40000"/>
+            </a:schemeClr>
+          </a:solidFill>
+          <a:ln>
+            <a:solidFill>
+              <a:srgbClr val="C00000"/>
+            </a:solidFill>
+          </a:ln>
+        </p:spPr>
+        <p:style>
+          <a:lnRef idx="2">
+            <a:schemeClr val="accent1">
+              <a:shade val="50000"/>
+            </a:schemeClr>
+          </a:lnRef>
+          <a:fillRef idx="1">
+            <a:schemeClr val="accent1"/>
+          </a:fillRef>
+          <a:effectRef idx="0">
+            <a:schemeClr val="accent1"/>
+          </a:effectRef>
+          <a:fontRef idx="minor">
+            <a:schemeClr val="lt1"/>
+          </a:fontRef>
+        </p:style>
+        <p:txBody>
+          <a:bodyPr rtlCol="0" anchor="ctr"/>
+          <a:lstStyle/>
+          <a:p>
+            <a:pPr algn="ctr"/>
+            <a:endParaRPr lang="en-GB"/>
+          </a:p>
+        </p:txBody>
+      </p:sp>
+      <p:sp>
+        <p:nvSpPr>
+          <p:cNvPr id="33" name="32 CuadroTexto"/>
+          <p:cNvSpPr txBox="1"/>
+          <p:nvPr/>
+        </p:nvSpPr>
+        <p:spPr>
+          <a:xfrm>
+            <a:off x="6219634" y="1415056"/>
+            <a:ext cx="857256" cy="215444"/>
+          </a:xfrm>
+          <a:prstGeom prst="rect">
+            <a:avLst/>
+          </a:prstGeom>
+          <a:noFill/>
+        </p:spPr>
+        <p:txBody>
+          <a:bodyPr wrap="square" rtlCol="0">
+            <a:spAutoFit/>
+          </a:bodyPr>
+          <a:lstStyle/>
+          <a:p>
+            <a:pPr algn="ctr"/>
+            <a:r>
+              <a:rPr lang="en-GB" sz="800" dirty="0" smtClean="0"/>
+              <a:t>Feature</a:t>
+            </a:r>
+            <a:endParaRPr lang="en-GB" sz="800" dirty="0"/>
+          </a:p>
+        </p:txBody>
+      </p:sp>
+      <p:sp>
+        <p:nvSpPr>
+          <p:cNvPr id="55" name="27 Flecha izquierda y derecha"/>
+          <p:cNvSpPr/>
+          <p:nvPr/>
+        </p:nvSpPr>
+        <p:spPr>
+          <a:xfrm>
+            <a:off x="3923928" y="4581128"/>
+            <a:ext cx="864096" cy="367870"/>
+          </a:xfrm>
+          <a:prstGeom prst="leftRightArrow">
+            <a:avLst/>
+          </a:prstGeom>
+          <a:solidFill>
+            <a:schemeClr val="accent2">
+              <a:lumMod val="60000"/>
+              <a:lumOff val="40000"/>
+            </a:schemeClr>
+          </a:solidFill>
+          <a:ln>
+            <a:solidFill>
+              <a:srgbClr val="C00000"/>
+            </a:solidFill>
+          </a:ln>
+        </p:spPr>
+        <p:style>
+          <a:lnRef idx="2">
+            <a:schemeClr val="accent1">
+              <a:shade val="50000"/>
+            </a:schemeClr>
+          </a:lnRef>
+          <a:fillRef idx="1">
+            <a:schemeClr val="accent1"/>
+          </a:fillRef>
+          <a:effectRef idx="0">
+            <a:schemeClr val="accent1"/>
+          </a:effectRef>
+          <a:fontRef idx="minor">
+            <a:schemeClr val="lt1"/>
+          </a:fontRef>
+        </p:style>
+        <p:txBody>
+          <a:bodyPr rtlCol="0" anchor="ctr"/>
+          <a:lstStyle/>
+          <a:p>
+            <a:pPr algn="ctr"/>
+            <a:endParaRPr lang="en-GB"/>
+          </a:p>
+        </p:txBody>
+      </p:sp>
+      <p:sp>
+        <p:nvSpPr>
+          <p:cNvPr id="56" name="29 CuadroTexto"/>
+          <p:cNvSpPr txBox="1"/>
+          <p:nvPr/>
+        </p:nvSpPr>
+        <p:spPr>
+          <a:xfrm>
+            <a:off x="755576" y="6093296"/>
+            <a:ext cx="1872208" cy="369332"/>
+          </a:xfrm>
+          <a:prstGeom prst="rect">
+            <a:avLst/>
+          </a:prstGeom>
+          <a:noFill/>
+        </p:spPr>
+        <p:txBody>
+          <a:bodyPr wrap="square" rtlCol="0">
+            <a:spAutoFit/>
+          </a:bodyPr>
+          <a:lstStyle/>
+          <a:p>
+            <a:pPr algn="ctr"/>
+            <a:r>
+              <a:rPr lang="en-GB" sz="1800" dirty="0" smtClean="0"/>
+              <a:t>SPARQL</a:t>
+            </a:r>
+            <a:r>
+              <a:rPr lang="en-GB" sz="1800" baseline="-25000" dirty="0" smtClean="0"/>
+              <a:t>STR</a:t>
+            </a:r>
+            <a:endParaRPr lang="en-GB" sz="1800" baseline="-25000" dirty="0"/>
+          </a:p>
+        </p:txBody>
+      </p:sp>
+      <p:sp>
+        <p:nvSpPr>
+          <p:cNvPr id="57" name="29 CuadroTexto"/>
+          <p:cNvSpPr txBox="1"/>
+          <p:nvPr/>
+        </p:nvSpPr>
+        <p:spPr>
+          <a:xfrm>
+            <a:off x="5724128" y="6021288"/>
+            <a:ext cx="1872208" cy="369332"/>
+          </a:xfrm>
+          <a:prstGeom prst="rect">
+            <a:avLst/>
+          </a:prstGeom>
+          <a:noFill/>
+        </p:spPr>
+        <p:txBody>
+          <a:bodyPr wrap="square" rtlCol="0">
+            <a:spAutoFit/>
+          </a:bodyPr>
+          <a:lstStyle/>
+          <a:p>
+            <a:pPr algn="ctr"/>
+            <a:r>
+              <a:rPr lang="en-GB" sz="1800" dirty="0" err="1" smtClean="0"/>
+              <a:t>SNEEql</a:t>
+            </a:r>
+            <a:endParaRPr lang="en-GB" sz="1800" baseline="-25000" dirty="0"/>
+          </a:p>
+        </p:txBody>
+      </p:sp>
     </p:spTree>
   </p:cSld>
   <p:clrMapOvr>
     <a:masterClrMapping/>
   </p:clrMapOvr>
+  <p:timing>
+    <p:tnLst>
+      <p:par>
+        <p:cTn id="1" dur="indefinite" restart="never" nodeType="tmRoot"/>
+      </p:par>
+    </p:tnLst>
+  </p:timing>
 </p:sld>
 </file>
 
